--- a/Endless Runner.pptx
+++ b/Endless Runner.pptx
@@ -124,6 +124,22 @@
       </a:defRPr>
     </a:lvl9pPr>
   </p:defaultTextStyle>
+  <p:extLst>
+    <p:ext uri="{EFAFB233-063F-42B5-8137-9DF3F51BA10A}">
+      <p15:sldGuideLst xmlns:p15="http://schemas.microsoft.com/office/powerpoint/2012/main">
+        <p15:guide id="1" orient="horz" pos="2160">
+          <p15:clr>
+            <a:srgbClr val="A4A3A4"/>
+          </p15:clr>
+        </p15:guide>
+        <p15:guide id="2" pos="2880">
+          <p15:clr>
+            <a:srgbClr val="A4A3A4"/>
+          </p15:clr>
+        </p15:guide>
+      </p15:sldGuideLst>
+    </p:ext>
+  </p:extLst>
 </p:presentation>
 </file>
 
@@ -165,10 +181,9 @@
           <a:lstStyle/>
           <a:p>
             <a:r>
-              <a:rPr lang="en-US" smtClean="0"/>
+              <a:rPr lang="en-US"/>
               <a:t>Click to edit Master title style</a:t>
             </a:r>
-            <a:endParaRPr lang="en-US"/>
           </a:p>
         </p:txBody>
       </p:sp>
@@ -284,10 +299,9 @@
           </a:lstStyle>
           <a:p>
             <a:r>
-              <a:rPr lang="en-US" smtClean="0"/>
+              <a:rPr lang="en-US"/>
               <a:t>Click to edit Master subtitle style</a:t>
             </a:r>
-            <a:endParaRPr lang="en-US"/>
           </a:p>
         </p:txBody>
       </p:sp>
@@ -309,7 +323,7 @@
             <a:fld id="{388C5281-0974-4E46-B03E-2FCFBD921B3F}" type="datetimeFigureOut">
               <a:rPr lang="en-US" smtClean="0"/>
               <a:pPr/>
-              <a:t>4/3/2025</a:t>
+              <a:t>4/10/2025</a:t>
             </a:fld>
             <a:endParaRPr lang="en-US"/>
           </a:p>
@@ -399,10 +413,9 @@
           <a:lstStyle/>
           <a:p>
             <a:r>
-              <a:rPr lang="en-US" smtClean="0"/>
+              <a:rPr lang="en-US"/>
               <a:t>Click to edit Master title style</a:t>
             </a:r>
-            <a:endParaRPr lang="en-US"/>
           </a:p>
         </p:txBody>
       </p:sp>
@@ -423,38 +436,37 @@
           <a:p>
             <a:pPr lvl="0"/>
             <a:r>
-              <a:rPr lang="en-US" smtClean="0"/>
+              <a:rPr lang="en-US"/>
               <a:t>Click to edit Master text styles</a:t>
             </a:r>
           </a:p>
           <a:p>
             <a:pPr lvl="1"/>
             <a:r>
-              <a:rPr lang="en-US" smtClean="0"/>
+              <a:rPr lang="en-US"/>
               <a:t>Second level</a:t>
             </a:r>
           </a:p>
           <a:p>
             <a:pPr lvl="2"/>
             <a:r>
-              <a:rPr lang="en-US" smtClean="0"/>
+              <a:rPr lang="en-US"/>
               <a:t>Third level</a:t>
             </a:r>
           </a:p>
           <a:p>
             <a:pPr lvl="3"/>
             <a:r>
-              <a:rPr lang="en-US" smtClean="0"/>
+              <a:rPr lang="en-US"/>
               <a:t>Fourth level</a:t>
             </a:r>
           </a:p>
           <a:p>
             <a:pPr lvl="4"/>
             <a:r>
-              <a:rPr lang="en-US" smtClean="0"/>
+              <a:rPr lang="en-US"/>
               <a:t>Fifth level</a:t>
             </a:r>
-            <a:endParaRPr lang="en-US"/>
           </a:p>
         </p:txBody>
       </p:sp>
@@ -476,7 +488,7 @@
             <a:fld id="{388C5281-0974-4E46-B03E-2FCFBD921B3F}" type="datetimeFigureOut">
               <a:rPr lang="en-US" smtClean="0"/>
               <a:pPr/>
-              <a:t>4/3/2025</a:t>
+              <a:t>4/10/2025</a:t>
             </a:fld>
             <a:endParaRPr lang="en-US"/>
           </a:p>
@@ -571,10 +583,9 @@
           <a:lstStyle/>
           <a:p>
             <a:r>
-              <a:rPr lang="en-US" smtClean="0"/>
+              <a:rPr lang="en-US"/>
               <a:t>Click to edit Master title style</a:t>
             </a:r>
-            <a:endParaRPr lang="en-US"/>
           </a:p>
         </p:txBody>
       </p:sp>
@@ -600,38 +611,37 @@
           <a:p>
             <a:pPr lvl="0"/>
             <a:r>
-              <a:rPr lang="en-US" smtClean="0"/>
+              <a:rPr lang="en-US"/>
               <a:t>Click to edit Master text styles</a:t>
             </a:r>
           </a:p>
           <a:p>
             <a:pPr lvl="1"/>
             <a:r>
-              <a:rPr lang="en-US" smtClean="0"/>
+              <a:rPr lang="en-US"/>
               <a:t>Second level</a:t>
             </a:r>
           </a:p>
           <a:p>
             <a:pPr lvl="2"/>
             <a:r>
-              <a:rPr lang="en-US" smtClean="0"/>
+              <a:rPr lang="en-US"/>
               <a:t>Third level</a:t>
             </a:r>
           </a:p>
           <a:p>
             <a:pPr lvl="3"/>
             <a:r>
-              <a:rPr lang="en-US" smtClean="0"/>
+              <a:rPr lang="en-US"/>
               <a:t>Fourth level</a:t>
             </a:r>
           </a:p>
           <a:p>
             <a:pPr lvl="4"/>
             <a:r>
-              <a:rPr lang="en-US" smtClean="0"/>
+              <a:rPr lang="en-US"/>
               <a:t>Fifth level</a:t>
             </a:r>
-            <a:endParaRPr lang="en-US"/>
           </a:p>
         </p:txBody>
       </p:sp>
@@ -653,7 +663,7 @@
             <a:fld id="{388C5281-0974-4E46-B03E-2FCFBD921B3F}" type="datetimeFigureOut">
               <a:rPr lang="en-US" smtClean="0"/>
               <a:pPr/>
-              <a:t>4/3/2025</a:t>
+              <a:t>4/10/2025</a:t>
             </a:fld>
             <a:endParaRPr lang="en-US"/>
           </a:p>
@@ -743,10 +753,9 @@
           <a:lstStyle/>
           <a:p>
             <a:r>
-              <a:rPr lang="en-US" smtClean="0"/>
+              <a:rPr lang="en-US"/>
               <a:t>Click to edit Master title style</a:t>
             </a:r>
-            <a:endParaRPr lang="en-US"/>
           </a:p>
         </p:txBody>
       </p:sp>
@@ -767,38 +776,37 @@
           <a:p>
             <a:pPr lvl="0"/>
             <a:r>
-              <a:rPr lang="en-US" smtClean="0"/>
+              <a:rPr lang="en-US"/>
               <a:t>Click to edit Master text styles</a:t>
             </a:r>
           </a:p>
           <a:p>
             <a:pPr lvl="1"/>
             <a:r>
-              <a:rPr lang="en-US" smtClean="0"/>
+              <a:rPr lang="en-US"/>
               <a:t>Second level</a:t>
             </a:r>
           </a:p>
           <a:p>
             <a:pPr lvl="2"/>
             <a:r>
-              <a:rPr lang="en-US" smtClean="0"/>
+              <a:rPr lang="en-US"/>
               <a:t>Third level</a:t>
             </a:r>
           </a:p>
           <a:p>
             <a:pPr lvl="3"/>
             <a:r>
-              <a:rPr lang="en-US" smtClean="0"/>
+              <a:rPr lang="en-US"/>
               <a:t>Fourth level</a:t>
             </a:r>
           </a:p>
           <a:p>
             <a:pPr lvl="4"/>
             <a:r>
-              <a:rPr lang="en-US" smtClean="0"/>
+              <a:rPr lang="en-US"/>
               <a:t>Fifth level</a:t>
             </a:r>
-            <a:endParaRPr lang="en-US"/>
           </a:p>
         </p:txBody>
       </p:sp>
@@ -820,7 +828,7 @@
             <a:fld id="{388C5281-0974-4E46-B03E-2FCFBD921B3F}" type="datetimeFigureOut">
               <a:rPr lang="en-US" smtClean="0"/>
               <a:pPr/>
-              <a:t>4/3/2025</a:t>
+              <a:t>4/10/2025</a:t>
             </a:fld>
             <a:endParaRPr lang="en-US"/>
           </a:p>
@@ -919,10 +927,9 @@
           </a:lstStyle>
           <a:p>
             <a:r>
-              <a:rPr lang="en-US" smtClean="0"/>
+              <a:rPr lang="en-US"/>
               <a:t>Click to edit Master title style</a:t>
             </a:r>
-            <a:endParaRPr lang="en-US"/>
           </a:p>
         </p:txBody>
       </p:sp>
@@ -1039,7 +1046,7 @@
           <a:p>
             <a:pPr lvl="0"/>
             <a:r>
-              <a:rPr lang="en-US" smtClean="0"/>
+              <a:rPr lang="en-US"/>
               <a:t>Click to edit Master text styles</a:t>
             </a:r>
           </a:p>
@@ -1063,7 +1070,7 @@
             <a:fld id="{388C5281-0974-4E46-B03E-2FCFBD921B3F}" type="datetimeFigureOut">
               <a:rPr lang="en-US" smtClean="0"/>
               <a:pPr/>
-              <a:t>4/3/2025</a:t>
+              <a:t>4/10/2025</a:t>
             </a:fld>
             <a:endParaRPr lang="en-US"/>
           </a:p>
@@ -1153,10 +1160,9 @@
           <a:lstStyle/>
           <a:p>
             <a:r>
-              <a:rPr lang="en-US" smtClean="0"/>
+              <a:rPr lang="en-US"/>
               <a:t>Click to edit Master title style</a:t>
             </a:r>
-            <a:endParaRPr lang="en-US"/>
           </a:p>
         </p:txBody>
       </p:sp>
@@ -1210,38 +1216,37 @@
           <a:p>
             <a:pPr lvl="0"/>
             <a:r>
-              <a:rPr lang="en-US" smtClean="0"/>
+              <a:rPr lang="en-US"/>
               <a:t>Click to edit Master text styles</a:t>
             </a:r>
           </a:p>
           <a:p>
             <a:pPr lvl="1"/>
             <a:r>
-              <a:rPr lang="en-US" smtClean="0"/>
+              <a:rPr lang="en-US"/>
               <a:t>Second level</a:t>
             </a:r>
           </a:p>
           <a:p>
             <a:pPr lvl="2"/>
             <a:r>
-              <a:rPr lang="en-US" smtClean="0"/>
+              <a:rPr lang="en-US"/>
               <a:t>Third level</a:t>
             </a:r>
           </a:p>
           <a:p>
             <a:pPr lvl="3"/>
             <a:r>
-              <a:rPr lang="en-US" smtClean="0"/>
+              <a:rPr lang="en-US"/>
               <a:t>Fourth level</a:t>
             </a:r>
           </a:p>
           <a:p>
             <a:pPr lvl="4"/>
             <a:r>
-              <a:rPr lang="en-US" smtClean="0"/>
+              <a:rPr lang="en-US"/>
               <a:t>Fifth level</a:t>
             </a:r>
-            <a:endParaRPr lang="en-US"/>
           </a:p>
         </p:txBody>
       </p:sp>
@@ -1295,38 +1300,37 @@
           <a:p>
             <a:pPr lvl="0"/>
             <a:r>
-              <a:rPr lang="en-US" smtClean="0"/>
+              <a:rPr lang="en-US"/>
               <a:t>Click to edit Master text styles</a:t>
             </a:r>
           </a:p>
           <a:p>
             <a:pPr lvl="1"/>
             <a:r>
-              <a:rPr lang="en-US" smtClean="0"/>
+              <a:rPr lang="en-US"/>
               <a:t>Second level</a:t>
             </a:r>
           </a:p>
           <a:p>
             <a:pPr lvl="2"/>
             <a:r>
-              <a:rPr lang="en-US" smtClean="0"/>
+              <a:rPr lang="en-US"/>
               <a:t>Third level</a:t>
             </a:r>
           </a:p>
           <a:p>
             <a:pPr lvl="3"/>
             <a:r>
-              <a:rPr lang="en-US" smtClean="0"/>
+              <a:rPr lang="en-US"/>
               <a:t>Fourth level</a:t>
             </a:r>
           </a:p>
           <a:p>
             <a:pPr lvl="4"/>
             <a:r>
-              <a:rPr lang="en-US" smtClean="0"/>
+              <a:rPr lang="en-US"/>
               <a:t>Fifth level</a:t>
             </a:r>
-            <a:endParaRPr lang="en-US"/>
           </a:p>
         </p:txBody>
       </p:sp>
@@ -1348,7 +1352,7 @@
             <a:fld id="{388C5281-0974-4E46-B03E-2FCFBD921B3F}" type="datetimeFigureOut">
               <a:rPr lang="en-US" smtClean="0"/>
               <a:pPr/>
-              <a:t>4/3/2025</a:t>
+              <a:t>4/10/2025</a:t>
             </a:fld>
             <a:endParaRPr lang="en-US"/>
           </a:p>
@@ -1442,10 +1446,9 @@
           </a:lstStyle>
           <a:p>
             <a:r>
-              <a:rPr lang="en-US" smtClean="0"/>
+              <a:rPr lang="en-US"/>
               <a:t>Click to edit Master title style</a:t>
             </a:r>
-            <a:endParaRPr lang="en-US"/>
           </a:p>
         </p:txBody>
       </p:sp>
@@ -1508,7 +1511,7 @@
           <a:p>
             <a:pPr lvl="0"/>
             <a:r>
-              <a:rPr lang="en-US" smtClean="0"/>
+              <a:rPr lang="en-US"/>
               <a:t>Click to edit Master text styles</a:t>
             </a:r>
           </a:p>
@@ -1564,38 +1567,37 @@
           <a:p>
             <a:pPr lvl="0"/>
             <a:r>
-              <a:rPr lang="en-US" smtClean="0"/>
+              <a:rPr lang="en-US"/>
               <a:t>Click to edit Master text styles</a:t>
             </a:r>
           </a:p>
           <a:p>
             <a:pPr lvl="1"/>
             <a:r>
-              <a:rPr lang="en-US" smtClean="0"/>
+              <a:rPr lang="en-US"/>
               <a:t>Second level</a:t>
             </a:r>
           </a:p>
           <a:p>
             <a:pPr lvl="2"/>
             <a:r>
-              <a:rPr lang="en-US" smtClean="0"/>
+              <a:rPr lang="en-US"/>
               <a:t>Third level</a:t>
             </a:r>
           </a:p>
           <a:p>
             <a:pPr lvl="3"/>
             <a:r>
-              <a:rPr lang="en-US" smtClean="0"/>
+              <a:rPr lang="en-US"/>
               <a:t>Fourth level</a:t>
             </a:r>
           </a:p>
           <a:p>
             <a:pPr lvl="4"/>
             <a:r>
-              <a:rPr lang="en-US" smtClean="0"/>
+              <a:rPr lang="en-US"/>
               <a:t>Fifth level</a:t>
             </a:r>
-            <a:endParaRPr lang="en-US"/>
           </a:p>
         </p:txBody>
       </p:sp>
@@ -1658,7 +1660,7 @@
           <a:p>
             <a:pPr lvl="0"/>
             <a:r>
-              <a:rPr lang="en-US" smtClean="0"/>
+              <a:rPr lang="en-US"/>
               <a:t>Click to edit Master text styles</a:t>
             </a:r>
           </a:p>
@@ -1714,38 +1716,37 @@
           <a:p>
             <a:pPr lvl="0"/>
             <a:r>
-              <a:rPr lang="en-US" smtClean="0"/>
+              <a:rPr lang="en-US"/>
               <a:t>Click to edit Master text styles</a:t>
             </a:r>
           </a:p>
           <a:p>
             <a:pPr lvl="1"/>
             <a:r>
-              <a:rPr lang="en-US" smtClean="0"/>
+              <a:rPr lang="en-US"/>
               <a:t>Second level</a:t>
             </a:r>
           </a:p>
           <a:p>
             <a:pPr lvl="2"/>
             <a:r>
-              <a:rPr lang="en-US" smtClean="0"/>
+              <a:rPr lang="en-US"/>
               <a:t>Third level</a:t>
             </a:r>
           </a:p>
           <a:p>
             <a:pPr lvl="3"/>
             <a:r>
-              <a:rPr lang="en-US" smtClean="0"/>
+              <a:rPr lang="en-US"/>
               <a:t>Fourth level</a:t>
             </a:r>
           </a:p>
           <a:p>
             <a:pPr lvl="4"/>
             <a:r>
-              <a:rPr lang="en-US" smtClean="0"/>
+              <a:rPr lang="en-US"/>
               <a:t>Fifth level</a:t>
             </a:r>
-            <a:endParaRPr lang="en-US"/>
           </a:p>
         </p:txBody>
       </p:sp>
@@ -1767,7 +1768,7 @@
             <a:fld id="{388C5281-0974-4E46-B03E-2FCFBD921B3F}" type="datetimeFigureOut">
               <a:rPr lang="en-US" smtClean="0"/>
               <a:pPr/>
-              <a:t>4/3/2025</a:t>
+              <a:t>4/10/2025</a:t>
             </a:fld>
             <a:endParaRPr lang="en-US"/>
           </a:p>
@@ -1857,10 +1858,9 @@
           <a:lstStyle/>
           <a:p>
             <a:r>
-              <a:rPr lang="en-US" smtClean="0"/>
+              <a:rPr lang="en-US"/>
               <a:t>Click to edit Master title style</a:t>
             </a:r>
-            <a:endParaRPr lang="en-US"/>
           </a:p>
         </p:txBody>
       </p:sp>
@@ -1882,7 +1882,7 @@
             <a:fld id="{388C5281-0974-4E46-B03E-2FCFBD921B3F}" type="datetimeFigureOut">
               <a:rPr lang="en-US" smtClean="0"/>
               <a:pPr/>
-              <a:t>4/3/2025</a:t>
+              <a:t>4/10/2025</a:t>
             </a:fld>
             <a:endParaRPr lang="en-US"/>
           </a:p>
@@ -1974,7 +1974,7 @@
             <a:fld id="{388C5281-0974-4E46-B03E-2FCFBD921B3F}" type="datetimeFigureOut">
               <a:rPr lang="en-US" smtClean="0"/>
               <a:pPr/>
-              <a:t>4/3/2025</a:t>
+              <a:t>4/10/2025</a:t>
             </a:fld>
             <a:endParaRPr lang="en-US"/>
           </a:p>
@@ -2073,10 +2073,9 @@
           </a:lstStyle>
           <a:p>
             <a:r>
-              <a:rPr lang="en-US" smtClean="0"/>
+              <a:rPr lang="en-US"/>
               <a:t>Click to edit Master title style</a:t>
             </a:r>
-            <a:endParaRPr lang="en-US"/>
           </a:p>
         </p:txBody>
       </p:sp>
@@ -2130,38 +2129,37 @@
           <a:p>
             <a:pPr lvl="0"/>
             <a:r>
-              <a:rPr lang="en-US" smtClean="0"/>
+              <a:rPr lang="en-US"/>
               <a:t>Click to edit Master text styles</a:t>
             </a:r>
           </a:p>
           <a:p>
             <a:pPr lvl="1"/>
             <a:r>
-              <a:rPr lang="en-US" smtClean="0"/>
+              <a:rPr lang="en-US"/>
               <a:t>Second level</a:t>
             </a:r>
           </a:p>
           <a:p>
             <a:pPr lvl="2"/>
             <a:r>
-              <a:rPr lang="en-US" smtClean="0"/>
+              <a:rPr lang="en-US"/>
               <a:t>Third level</a:t>
             </a:r>
           </a:p>
           <a:p>
             <a:pPr lvl="3"/>
             <a:r>
-              <a:rPr lang="en-US" smtClean="0"/>
+              <a:rPr lang="en-US"/>
               <a:t>Fourth level</a:t>
             </a:r>
           </a:p>
           <a:p>
             <a:pPr lvl="4"/>
             <a:r>
-              <a:rPr lang="en-US" smtClean="0"/>
+              <a:rPr lang="en-US"/>
               <a:t>Fifth level</a:t>
             </a:r>
-            <a:endParaRPr lang="en-US"/>
           </a:p>
         </p:txBody>
       </p:sp>
@@ -2224,7 +2222,7 @@
           <a:p>
             <a:pPr lvl="0"/>
             <a:r>
-              <a:rPr lang="en-US" smtClean="0"/>
+              <a:rPr lang="en-US"/>
               <a:t>Click to edit Master text styles</a:t>
             </a:r>
           </a:p>
@@ -2248,7 +2246,7 @@
             <a:fld id="{388C5281-0974-4E46-B03E-2FCFBD921B3F}" type="datetimeFigureOut">
               <a:rPr lang="en-US" smtClean="0"/>
               <a:pPr/>
-              <a:t>4/3/2025</a:t>
+              <a:t>4/10/2025</a:t>
             </a:fld>
             <a:endParaRPr lang="en-US"/>
           </a:p>
@@ -2347,10 +2345,9 @@
           </a:lstStyle>
           <a:p>
             <a:r>
-              <a:rPr lang="en-US" smtClean="0"/>
+              <a:rPr lang="en-US"/>
               <a:t>Click to edit Master title style</a:t>
             </a:r>
-            <a:endParaRPr lang="en-US"/>
           </a:p>
         </p:txBody>
       </p:sp>
@@ -2474,7 +2471,7 @@
           <a:p>
             <a:pPr lvl="0"/>
             <a:r>
-              <a:rPr lang="en-US" smtClean="0"/>
+              <a:rPr lang="en-US"/>
               <a:t>Click to edit Master text styles</a:t>
             </a:r>
           </a:p>
@@ -2498,7 +2495,7 @@
             <a:fld id="{388C5281-0974-4E46-B03E-2FCFBD921B3F}" type="datetimeFigureOut">
               <a:rPr lang="en-US" smtClean="0"/>
               <a:pPr/>
-              <a:t>4/3/2025</a:t>
+              <a:t>4/10/2025</a:t>
             </a:fld>
             <a:endParaRPr lang="en-US"/>
           </a:p>
@@ -2612,10 +2609,9 @@
           <a:lstStyle/>
           <a:p>
             <a:r>
-              <a:rPr lang="en-US" smtClean="0"/>
+              <a:rPr lang="en-US"/>
               <a:t>Click to edit Master title style</a:t>
             </a:r>
-            <a:endParaRPr lang="en-US"/>
           </a:p>
         </p:txBody>
       </p:sp>
@@ -2646,38 +2642,37 @@
           <a:p>
             <a:pPr lvl="0"/>
             <a:r>
-              <a:rPr lang="en-US" smtClean="0"/>
+              <a:rPr lang="en-US"/>
               <a:t>Click to edit Master text styles</a:t>
             </a:r>
           </a:p>
           <a:p>
             <a:pPr lvl="1"/>
             <a:r>
-              <a:rPr lang="en-US" smtClean="0"/>
+              <a:rPr lang="en-US"/>
               <a:t>Second level</a:t>
             </a:r>
           </a:p>
           <a:p>
             <a:pPr lvl="2"/>
             <a:r>
-              <a:rPr lang="en-US" smtClean="0"/>
+              <a:rPr lang="en-US"/>
               <a:t>Third level</a:t>
             </a:r>
           </a:p>
           <a:p>
             <a:pPr lvl="3"/>
             <a:r>
-              <a:rPr lang="en-US" smtClean="0"/>
+              <a:rPr lang="en-US"/>
               <a:t>Fourth level</a:t>
             </a:r>
           </a:p>
           <a:p>
             <a:pPr lvl="4"/>
             <a:r>
-              <a:rPr lang="en-US" smtClean="0"/>
+              <a:rPr lang="en-US"/>
               <a:t>Fifth level</a:t>
             </a:r>
-            <a:endParaRPr lang="en-US"/>
           </a:p>
         </p:txBody>
       </p:sp>
@@ -2717,7 +2712,7 @@
             <a:fld id="{388C5281-0974-4E46-B03E-2FCFBD921B3F}" type="datetimeFigureOut">
               <a:rPr lang="en-US" smtClean="0"/>
               <a:pPr/>
-              <a:t>4/3/2025</a:t>
+              <a:t>4/10/2025</a:t>
             </a:fld>
             <a:endParaRPr lang="en-US"/>
           </a:p>
@@ -3111,16 +3106,12 @@
           <a:lstStyle/>
           <a:p>
             <a:r>
-              <a:rPr lang="en-US" sz="3600" b="1" dirty="0" smtClean="0">
+              <a:rPr lang="en-US" sz="3600" b="1" dirty="0">
                 <a:latin typeface="Times New Roman" pitchFamily="18" charset="0"/>
                 <a:cs typeface="Times New Roman" pitchFamily="18" charset="0"/>
               </a:rPr>
               <a:t> </a:t>
             </a:r>
-            <a:endParaRPr lang="en-US" sz="3600" b="1" dirty="0">
-              <a:latin typeface="Times New Roman" pitchFamily="18" charset="0"/>
-              <a:cs typeface="Times New Roman" pitchFamily="18" charset="0"/>
-            </a:endParaRPr>
           </a:p>
         </p:txBody>
       </p:sp>
@@ -3140,10 +3131,9 @@
           <a:lstStyle/>
           <a:p>
             <a:r>
-              <a:rPr lang="en-US" dirty="0" smtClean="0"/>
+              <a:rPr lang="en-US" dirty="0"/>
               <a:t> </a:t>
             </a:r>
-            <a:endParaRPr lang="en-US" dirty="0"/>
           </a:p>
         </p:txBody>
       </p:sp>
@@ -3170,28 +3160,28 @@
           <a:lstStyle/>
           <a:p>
             <a:r>
-              <a:rPr lang="en-US" dirty="0" err="1" smtClean="0">
+              <a:rPr lang="en-US" dirty="0" err="1">
                 <a:latin typeface="+mj-lt"/>
                 <a:cs typeface="Times New Roman" pitchFamily="18" charset="0"/>
               </a:rPr>
               <a:t>Safta</a:t>
             </a:r>
             <a:r>
-              <a:rPr lang="en-US" dirty="0" smtClean="0">
+              <a:rPr lang="en-US" dirty="0">
                 <a:latin typeface="+mj-lt"/>
                 <a:cs typeface="Times New Roman" pitchFamily="18" charset="0"/>
               </a:rPr>
               <a:t> Maria-</a:t>
             </a:r>
             <a:r>
-              <a:rPr lang="en-US" dirty="0" err="1" smtClean="0">
+              <a:rPr lang="en-US" dirty="0" err="1">
                 <a:latin typeface="+mj-lt"/>
                 <a:cs typeface="Times New Roman" pitchFamily="18" charset="0"/>
               </a:rPr>
               <a:t>Andreea</a:t>
             </a:r>
             <a:r>
-              <a:rPr lang="en-US" dirty="0" smtClean="0">
+              <a:rPr lang="en-US" dirty="0">
                 <a:latin typeface="+mj-lt"/>
                 <a:cs typeface="Times New Roman" pitchFamily="18" charset="0"/>
               </a:rPr>
@@ -3200,37 +3190,33 @@
           </a:p>
           <a:p>
             <a:r>
-              <a:rPr lang="en-US" dirty="0" err="1" smtClean="0">
+              <a:rPr lang="en-US" dirty="0" err="1">
                 <a:latin typeface="+mj-lt"/>
                 <a:cs typeface="Times New Roman" pitchFamily="18" charset="0"/>
               </a:rPr>
               <a:t>Tomoiu</a:t>
             </a:r>
             <a:r>
-              <a:rPr lang="en-US" dirty="0" smtClean="0">
+              <a:rPr lang="en-US" dirty="0">
                 <a:latin typeface="+mj-lt"/>
                 <a:cs typeface="Times New Roman" pitchFamily="18" charset="0"/>
               </a:rPr>
               <a:t> Cristina-</a:t>
             </a:r>
             <a:r>
-              <a:rPr lang="en-US" dirty="0" err="1" smtClean="0">
+              <a:rPr lang="en-US" dirty="0" err="1">
                 <a:latin typeface="+mj-lt"/>
                 <a:cs typeface="Times New Roman" pitchFamily="18" charset="0"/>
               </a:rPr>
               <a:t>Andreea</a:t>
             </a:r>
             <a:r>
-              <a:rPr lang="en-US" dirty="0" smtClean="0">
+              <a:rPr lang="en-US" dirty="0">
                 <a:latin typeface="+mj-lt"/>
                 <a:cs typeface="Times New Roman" pitchFamily="18" charset="0"/>
               </a:rPr>
               <a:t>, CR4S2B</a:t>
             </a:r>
-            <a:endParaRPr lang="en-US" dirty="0">
-              <a:latin typeface="+mj-lt"/>
-              <a:cs typeface="Times New Roman" pitchFamily="18" charset="0"/>
-            </a:endParaRPr>
           </a:p>
         </p:txBody>
       </p:sp>
@@ -3258,7 +3244,7 @@
           <a:p>
             <a:pPr algn="ctr"/>
             <a:r>
-              <a:rPr lang="en-US" sz="5400" b="1" cap="none" spc="0" dirty="0" smtClean="0">
+              <a:rPr lang="en-US" sz="5400" b="1" cap="none" spc="0" dirty="0">
                 <a:ln w="10541" cmpd="sng">
                   <a:solidFill>
                     <a:schemeClr val="accent1">
@@ -3364,13 +3350,6 @@
   <p:clrMapOvr>
     <a:masterClrMapping/>
   </p:clrMapOvr>
-  <p:timing>
-    <p:tnLst>
-      <p:par>
-        <p:cTn id="1" dur="indefinite" restart="never" nodeType="tmRoot"/>
-      </p:par>
-    </p:tnLst>
-  </p:timing>
 </p:sld>
 </file>
 
@@ -3407,14 +3386,13 @@
           <a:lstStyle/>
           <a:p>
             <a:r>
-              <a:rPr lang="en-US" dirty="0" err="1" smtClean="0"/>
+              <a:rPr lang="en-US" dirty="0" err="1"/>
               <a:t>Jocul</a:t>
             </a:r>
             <a:r>
-              <a:rPr lang="en-US" dirty="0" smtClean="0"/>
+              <a:rPr lang="en-US" dirty="0"/>
               <a:t> in sine - background</a:t>
             </a:r>
-            <a:endParaRPr lang="en-US" dirty="0"/>
           </a:p>
         </p:txBody>
       </p:sp>
@@ -3435,133 +3413,132 @@
           </a:bodyPr>
           <a:lstStyle/>
           <a:p>
+            <a:pPr marL="0" indent="0">
+              <a:buNone/>
+            </a:pPr>
+            <a:r>
+              <a:rPr lang="en-US" sz="2400" dirty="0"/>
+              <a:t>       Este, de </a:t>
+            </a:r>
+            <a:r>
+              <a:rPr lang="en-US" sz="2400" dirty="0" err="1"/>
+              <a:t>asemenea</a:t>
+            </a:r>
+            <a:r>
+              <a:rPr lang="en-US" sz="2400" dirty="0"/>
+              <a:t>, important </a:t>
+            </a:r>
+            <a:r>
+              <a:rPr lang="en-US" sz="2400" dirty="0" err="1"/>
+              <a:t>mentionat</a:t>
+            </a:r>
+            <a:r>
+              <a:rPr lang="en-US" sz="2400" dirty="0"/>
+              <a:t> </a:t>
+            </a:r>
+            <a:r>
+              <a:rPr lang="en-US" sz="2400" dirty="0" err="1"/>
+              <a:t>faptul</a:t>
+            </a:r>
+            <a:r>
+              <a:rPr lang="en-US" sz="2400" dirty="0"/>
+              <a:t> ca </a:t>
+            </a:r>
+            <a:r>
+              <a:rPr lang="en-US" sz="2400" dirty="0" err="1"/>
+              <a:t>fundalul</a:t>
+            </a:r>
+            <a:r>
+              <a:rPr lang="en-US" sz="2400" dirty="0"/>
+              <a:t> </a:t>
+            </a:r>
+            <a:r>
+              <a:rPr lang="en-US" sz="2400" dirty="0" err="1"/>
+              <a:t>si</a:t>
+            </a:r>
+            <a:r>
+              <a:rPr lang="en-US" sz="2400" dirty="0"/>
+              <a:t> </a:t>
+            </a:r>
+            <a:r>
+              <a:rPr lang="en-US" sz="2400" dirty="0" err="1"/>
+              <a:t>podeaua</a:t>
+            </a:r>
+            <a:r>
+              <a:rPr lang="en-US" sz="2400" dirty="0"/>
+              <a:t> “se </a:t>
+            </a:r>
+            <a:r>
+              <a:rPr lang="en-US" sz="2400" dirty="0" err="1"/>
+              <a:t>misca</a:t>
+            </a:r>
+            <a:r>
+              <a:rPr lang="en-US" sz="2400" dirty="0"/>
+              <a:t>”, </a:t>
+            </a:r>
+            <a:r>
+              <a:rPr lang="en-US" sz="2400" dirty="0" err="1"/>
+              <a:t>adica</a:t>
+            </a:r>
+            <a:r>
+              <a:rPr lang="en-US" sz="2400" dirty="0"/>
+              <a:t> se </a:t>
+            </a:r>
+            <a:r>
+              <a:rPr lang="en-US" sz="2400" dirty="0" err="1"/>
+              <a:t>scrolleaza</a:t>
+            </a:r>
+            <a:r>
+              <a:rPr lang="en-US" sz="2400" dirty="0"/>
+              <a:t>. </a:t>
+            </a:r>
+            <a:r>
+              <a:rPr lang="en-US" sz="2400" dirty="0" err="1"/>
+              <a:t>Acest</a:t>
+            </a:r>
+            <a:r>
+              <a:rPr lang="en-US" sz="2400" dirty="0"/>
+              <a:t> </a:t>
+            </a:r>
+            <a:r>
+              <a:rPr lang="en-US" sz="2400" dirty="0" err="1"/>
+              <a:t>lucru</a:t>
+            </a:r>
+            <a:r>
+              <a:rPr lang="en-US" sz="2400" dirty="0"/>
+              <a:t> se face cu </a:t>
+            </a:r>
+            <a:r>
+              <a:rPr lang="en-US" sz="2400" dirty="0" err="1"/>
+              <a:t>ajutorul</a:t>
+            </a:r>
+            <a:r>
+              <a:rPr lang="en-US" sz="2400" dirty="0"/>
+              <a:t> </a:t>
+            </a:r>
+            <a:r>
+              <a:rPr lang="en-US" sz="2400" dirty="0" err="1"/>
+              <a:t>vitezei</a:t>
+            </a:r>
+            <a:r>
+              <a:rPr lang="en-US" sz="2400" dirty="0"/>
+              <a:t> </a:t>
+            </a:r>
+            <a:r>
+              <a:rPr lang="en-US" sz="2400" dirty="0" err="1"/>
+              <a:t>jocului</a:t>
+            </a:r>
+            <a:r>
+              <a:rPr lang="en-US" sz="2400" dirty="0"/>
+              <a:t>.</a:t>
+            </a:r>
+          </a:p>
+          <a:p>
             <a:pPr>
               <a:buFontTx/>
               <a:buChar char="-"/>
             </a:pPr>
-            <a:r>
-              <a:rPr lang="en-US" sz="2400" dirty="0" smtClean="0"/>
-              <a:t>Este, de </a:t>
-            </a:r>
-            <a:r>
-              <a:rPr lang="en-US" sz="2400" dirty="0" err="1" smtClean="0"/>
-              <a:t>asemenea</a:t>
-            </a:r>
-            <a:r>
-              <a:rPr lang="en-US" sz="2400" dirty="0" smtClean="0"/>
-              <a:t>, important </a:t>
-            </a:r>
-            <a:r>
-              <a:rPr lang="en-US" sz="2400" dirty="0" err="1" smtClean="0"/>
-              <a:t>mentionat</a:t>
-            </a:r>
-            <a:r>
-              <a:rPr lang="en-US" sz="2400" dirty="0" smtClean="0"/>
-              <a:t> </a:t>
-            </a:r>
-            <a:r>
-              <a:rPr lang="en-US" sz="2400" dirty="0" err="1" smtClean="0"/>
-              <a:t>faptul</a:t>
-            </a:r>
-            <a:r>
-              <a:rPr lang="en-US" sz="2400" dirty="0" smtClean="0"/>
-              <a:t> ca </a:t>
-            </a:r>
-            <a:r>
-              <a:rPr lang="en-US" sz="2400" dirty="0" err="1" smtClean="0"/>
-              <a:t>fundalul</a:t>
-            </a:r>
-            <a:r>
-              <a:rPr lang="en-US" sz="2400" dirty="0"/>
-              <a:t> </a:t>
-            </a:r>
-            <a:r>
-              <a:rPr lang="en-US" sz="2400" dirty="0" err="1" smtClean="0"/>
-              <a:t>si</a:t>
-            </a:r>
-            <a:r>
-              <a:rPr lang="en-US" sz="2400" dirty="0" smtClean="0"/>
-              <a:t> </a:t>
-            </a:r>
-            <a:r>
-              <a:rPr lang="en-US" sz="2400" dirty="0" err="1" smtClean="0"/>
-              <a:t>podeaua</a:t>
-            </a:r>
-            <a:r>
-              <a:rPr lang="en-US" sz="2400" dirty="0" smtClean="0"/>
-              <a:t> “se </a:t>
-            </a:r>
-            <a:r>
-              <a:rPr lang="en-US" sz="2400" dirty="0" err="1" smtClean="0"/>
-              <a:t>misca</a:t>
-            </a:r>
-            <a:r>
-              <a:rPr lang="en-US" sz="2400" dirty="0" smtClean="0"/>
-              <a:t>”, </a:t>
-            </a:r>
-            <a:r>
-              <a:rPr lang="en-US" sz="2400" dirty="0" err="1" smtClean="0"/>
-              <a:t>adica</a:t>
-            </a:r>
-            <a:r>
-              <a:rPr lang="en-US" sz="2400" dirty="0" smtClean="0"/>
-              <a:t> se </a:t>
-            </a:r>
-            <a:r>
-              <a:rPr lang="en-US" sz="2400" dirty="0" err="1" smtClean="0"/>
-              <a:t>scrolleaza</a:t>
-            </a:r>
-            <a:r>
-              <a:rPr lang="en-US" sz="2400" dirty="0" smtClean="0"/>
-              <a:t>. </a:t>
-            </a:r>
-            <a:r>
-              <a:rPr lang="en-US" sz="2400" dirty="0" err="1" smtClean="0"/>
-              <a:t>Acest</a:t>
-            </a:r>
-            <a:r>
-              <a:rPr lang="en-US" sz="2400" dirty="0" smtClean="0"/>
-              <a:t> </a:t>
-            </a:r>
-            <a:r>
-              <a:rPr lang="en-US" sz="2400" dirty="0" err="1" smtClean="0"/>
-              <a:t>lucru</a:t>
-            </a:r>
-            <a:r>
-              <a:rPr lang="en-US" sz="2400" dirty="0" smtClean="0"/>
-              <a:t> se face cu </a:t>
-            </a:r>
-            <a:r>
-              <a:rPr lang="en-US" sz="2400" dirty="0" err="1" smtClean="0"/>
-              <a:t>ajutorul</a:t>
-            </a:r>
-            <a:r>
-              <a:rPr lang="en-US" sz="2400" dirty="0" smtClean="0"/>
-              <a:t> </a:t>
-            </a:r>
-            <a:r>
-              <a:rPr lang="en-US" sz="2400" dirty="0" err="1" smtClean="0"/>
-              <a:t>vitezei</a:t>
-            </a:r>
-            <a:r>
-              <a:rPr lang="en-US" sz="2400" dirty="0" smtClean="0"/>
-              <a:t> </a:t>
-            </a:r>
-            <a:r>
-              <a:rPr lang="en-US" sz="2400" dirty="0" err="1" smtClean="0"/>
-              <a:t>jocului</a:t>
-            </a:r>
-            <a:r>
-              <a:rPr lang="en-US" sz="2400" dirty="0" smtClean="0"/>
-              <a:t>.</a:t>
-            </a:r>
-          </a:p>
-          <a:p>
-            <a:pPr>
-              <a:buFontTx/>
-              <a:buChar char="-"/>
-            </a:pPr>
-            <a:endParaRPr lang="en-US" sz="2800" dirty="0" smtClean="0"/>
+            <a:endParaRPr lang="en-US" sz="2800" dirty="0"/>
           </a:p>
         </p:txBody>
       </p:sp>
@@ -3598,18 +3575,43 @@
           <a:effectLst/>
         </p:spPr>
       </p:pic>
+      <p:pic>
+        <p:nvPicPr>
+          <p:cNvPr id="5" name="Picture 19" descr="Meteor - Kostenlose natur-Icons">
+            <a:extLst>
+              <a:ext uri="{FF2B5EF4-FFF2-40B4-BE49-F238E27FC236}">
+                <a16:creationId xmlns:a16="http://schemas.microsoft.com/office/drawing/2014/main" id="{70EC45C6-7B46-44CC-948E-F108373ED9EA}"/>
+              </a:ext>
+            </a:extLst>
+          </p:cNvPr>
+          <p:cNvPicPr>
+            <a:picLocks noChangeAspect="1" noChangeArrowheads="1"/>
+          </p:cNvPicPr>
+          <p:nvPr/>
+        </p:nvPicPr>
+        <p:blipFill>
+          <a:blip r:embed="rId3" cstate="print"/>
+          <a:srcRect/>
+          <a:stretch>
+            <a:fillRect/>
+          </a:stretch>
+        </p:blipFill>
+        <p:spPr bwMode="auto">
+          <a:xfrm rot="13437158">
+            <a:off x="488817" y="1641363"/>
+            <a:ext cx="382831" cy="382831"/>
+          </a:xfrm>
+          <a:prstGeom prst="rect">
+            <a:avLst/>
+          </a:prstGeom>
+          <a:noFill/>
+        </p:spPr>
+      </p:pic>
     </p:spTree>
   </p:cSld>
   <p:clrMapOvr>
     <a:masterClrMapping/>
   </p:clrMapOvr>
-  <p:timing>
-    <p:tnLst>
-      <p:par>
-        <p:cTn id="1" dur="indefinite" restart="never" nodeType="tmRoot"/>
-      </p:par>
-    </p:tnLst>
-  </p:timing>
 </p:sld>
 </file>
 
@@ -3646,15 +3648,15 @@
           <a:lstStyle/>
           <a:p>
             <a:r>
-              <a:rPr lang="en-US" dirty="0" err="1" smtClean="0"/>
+              <a:rPr lang="en-US" dirty="0" err="1"/>
               <a:t>Navigarea</a:t>
             </a:r>
             <a:r>
-              <a:rPr lang="en-US" dirty="0" smtClean="0"/>
+              <a:rPr lang="en-US" dirty="0"/>
               <a:t> in </a:t>
             </a:r>
             <a:r>
-              <a:rPr lang="en-US" dirty="0" err="1" smtClean="0"/>
+              <a:rPr lang="en-US" dirty="0" err="1"/>
               <a:t>aplicatie</a:t>
             </a:r>
             <a:endParaRPr lang="en-US" dirty="0"/>
@@ -3683,119 +3685,119 @@
               <a:buChar char="-"/>
             </a:pPr>
             <a:r>
-              <a:rPr lang="en-US" sz="2800" dirty="0" smtClean="0"/>
+              <a:rPr lang="en-US" sz="2800" dirty="0"/>
               <a:t>In </a:t>
             </a:r>
             <a:r>
-              <a:rPr lang="en-US" sz="2800" dirty="0" err="1" smtClean="0"/>
+              <a:rPr lang="en-US" sz="2800" dirty="0" err="1"/>
               <a:t>aplicatie</a:t>
             </a:r>
             <a:r>
-              <a:rPr lang="en-US" sz="2800" dirty="0" smtClean="0"/>
+              <a:rPr lang="en-US" sz="2800" dirty="0"/>
               <a:t> </a:t>
             </a:r>
             <a:r>
-              <a:rPr lang="en-US" sz="2800" dirty="0" err="1" smtClean="0"/>
+              <a:rPr lang="en-US" sz="2800" dirty="0" err="1"/>
               <a:t>exista</a:t>
             </a:r>
             <a:r>
-              <a:rPr lang="en-US" sz="2800" dirty="0" smtClean="0"/>
+              <a:rPr lang="en-US" sz="2800" dirty="0"/>
               <a:t>, </a:t>
             </a:r>
             <a:r>
-              <a:rPr lang="en-US" sz="2800" dirty="0" err="1" smtClean="0"/>
+              <a:rPr lang="en-US" sz="2800" dirty="0" err="1"/>
               <a:t>excluzand</a:t>
             </a:r>
             <a:r>
-              <a:rPr lang="en-US" sz="2800" dirty="0" smtClean="0"/>
+              <a:rPr lang="en-US" sz="2800" dirty="0"/>
               <a:t> </a:t>
             </a:r>
             <a:r>
-              <a:rPr lang="en-US" sz="2800" dirty="0" err="1" smtClean="0"/>
+              <a:rPr lang="en-US" sz="2800" dirty="0" err="1"/>
               <a:t>jocul</a:t>
             </a:r>
             <a:r>
-              <a:rPr lang="en-US" sz="2800" dirty="0" smtClean="0"/>
+              <a:rPr lang="en-US" sz="2800" dirty="0"/>
               <a:t>, 3 </a:t>
             </a:r>
             <a:r>
-              <a:rPr lang="en-US" sz="2800" dirty="0" err="1" smtClean="0"/>
+              <a:rPr lang="en-US" sz="2800" dirty="0" err="1"/>
               <a:t>pagini</a:t>
             </a:r>
             <a:r>
-              <a:rPr lang="en-US" sz="2800" dirty="0" smtClean="0"/>
+              <a:rPr lang="en-US" sz="2800" dirty="0"/>
               <a:t> </a:t>
             </a:r>
             <a:r>
-              <a:rPr lang="en-US" sz="2800" dirty="0" err="1" smtClean="0"/>
+              <a:rPr lang="en-US" sz="2800" dirty="0" err="1"/>
               <a:t>pe</a:t>
             </a:r>
             <a:r>
-              <a:rPr lang="en-US" sz="2800" dirty="0" smtClean="0"/>
+              <a:rPr lang="en-US" sz="2800" dirty="0"/>
               <a:t> care </a:t>
             </a:r>
             <a:r>
-              <a:rPr lang="en-US" sz="2800" dirty="0" err="1" smtClean="0"/>
+              <a:rPr lang="en-US" sz="2800" dirty="0" err="1"/>
               <a:t>utilizatorul</a:t>
             </a:r>
             <a:r>
-              <a:rPr lang="en-US" sz="2800" dirty="0" smtClean="0"/>
+              <a:rPr lang="en-US" sz="2800" dirty="0"/>
               <a:t> </a:t>
             </a:r>
             <a:r>
-              <a:rPr lang="en-US" sz="2800" dirty="0" err="1" smtClean="0"/>
+              <a:rPr lang="en-US" sz="2800" dirty="0" err="1"/>
               <a:t>poate</a:t>
             </a:r>
             <a:r>
-              <a:rPr lang="en-US" sz="2800" dirty="0" smtClean="0"/>
+              <a:rPr lang="en-US" sz="2800" dirty="0"/>
               <a:t> </a:t>
             </a:r>
             <a:r>
-              <a:rPr lang="en-US" sz="2800" dirty="0" err="1" smtClean="0"/>
+              <a:rPr lang="en-US" sz="2800" dirty="0" err="1"/>
               <a:t>sa</a:t>
             </a:r>
             <a:r>
-              <a:rPr lang="en-US" sz="2800" dirty="0" smtClean="0"/>
+              <a:rPr lang="en-US" sz="2800" dirty="0"/>
               <a:t> le </a:t>
             </a:r>
             <a:r>
-              <a:rPr lang="en-US" sz="2800" dirty="0" err="1" smtClean="0"/>
+              <a:rPr lang="en-US" sz="2800" dirty="0" err="1"/>
               <a:t>acceseze</a:t>
             </a:r>
             <a:r>
-              <a:rPr lang="en-US" sz="2800" dirty="0" smtClean="0"/>
+              <a:rPr lang="en-US" sz="2800" dirty="0"/>
               <a:t>: </a:t>
             </a:r>
             <a:r>
-              <a:rPr lang="en-US" sz="2800" dirty="0" err="1" smtClean="0"/>
+              <a:rPr lang="en-US" sz="2800" dirty="0" err="1"/>
               <a:t>meniul</a:t>
             </a:r>
             <a:r>
-              <a:rPr lang="en-US" sz="2800" dirty="0" smtClean="0"/>
+              <a:rPr lang="en-US" sz="2800" dirty="0"/>
               <a:t> principal, </a:t>
             </a:r>
             <a:r>
-              <a:rPr lang="en-US" sz="2800" dirty="0" err="1" smtClean="0"/>
+              <a:rPr lang="en-US" sz="2800" dirty="0" err="1"/>
               <a:t>optiunile</a:t>
             </a:r>
             <a:r>
-              <a:rPr lang="en-US" sz="2800" dirty="0" smtClean="0"/>
+              <a:rPr lang="en-US" sz="2800" dirty="0"/>
               <a:t> </a:t>
             </a:r>
             <a:r>
-              <a:rPr lang="en-US" sz="2800" dirty="0" err="1" smtClean="0"/>
+              <a:rPr lang="en-US" sz="2800" dirty="0" err="1"/>
               <a:t>si</a:t>
             </a:r>
             <a:r>
-              <a:rPr lang="en-US" sz="2800" dirty="0" smtClean="0"/>
+              <a:rPr lang="en-US" sz="2800" dirty="0"/>
               <a:t> </a:t>
             </a:r>
             <a:r>
-              <a:rPr lang="en-US" sz="2800" dirty="0" err="1" smtClean="0"/>
+              <a:rPr lang="en-US" sz="2800" dirty="0" err="1"/>
               <a:t>meniul</a:t>
             </a:r>
             <a:r>
-              <a:rPr lang="en-US" sz="2800" dirty="0" smtClean="0"/>
+              <a:rPr lang="en-US" sz="2800" dirty="0"/>
               <a:t> de game over.</a:t>
             </a:r>
           </a:p>
@@ -3805,75 +3807,75 @@
               <a:buChar char="-"/>
             </a:pPr>
             <a:r>
-              <a:rPr lang="en-US" sz="2800" dirty="0" err="1" smtClean="0"/>
+              <a:rPr lang="en-US" sz="2800" dirty="0" err="1"/>
               <a:t>Fiecare</a:t>
             </a:r>
             <a:r>
-              <a:rPr lang="en-US" sz="2800" dirty="0" smtClean="0"/>
+              <a:rPr lang="en-US" sz="2800" dirty="0"/>
               <a:t> </a:t>
             </a:r>
             <a:r>
-              <a:rPr lang="en-US" sz="2800" dirty="0" err="1" smtClean="0"/>
+              <a:rPr lang="en-US" sz="2800" dirty="0" err="1"/>
               <a:t>pagina</a:t>
             </a:r>
             <a:r>
-              <a:rPr lang="en-US" sz="2800" dirty="0" smtClean="0"/>
+              <a:rPr lang="en-US" sz="2800" dirty="0"/>
               <a:t> are un layout (</a:t>
             </a:r>
             <a:r>
-              <a:rPr lang="en-US" sz="2800" dirty="0" err="1" smtClean="0"/>
+              <a:rPr lang="en-US" sz="2800" dirty="0" err="1"/>
               <a:t>draw_menu</a:t>
             </a:r>
             <a:r>
-              <a:rPr lang="en-US" sz="2800" dirty="0" smtClean="0"/>
+              <a:rPr lang="en-US" sz="2800" dirty="0"/>
               <a:t>, </a:t>
             </a:r>
             <a:r>
-              <a:rPr lang="en-US" sz="2800" dirty="0" err="1" smtClean="0"/>
+              <a:rPr lang="en-US" sz="2800" dirty="0" err="1"/>
               <a:t>draw_options_menu</a:t>
             </a:r>
             <a:r>
-              <a:rPr lang="en-US" sz="2800" dirty="0" smtClean="0"/>
+              <a:rPr lang="en-US" sz="2800" dirty="0"/>
               <a:t>) </a:t>
             </a:r>
             <a:r>
-              <a:rPr lang="en-US" sz="2800" dirty="0" err="1" smtClean="0"/>
+              <a:rPr lang="en-US" sz="2800" dirty="0" err="1"/>
               <a:t>si</a:t>
             </a:r>
             <a:r>
-              <a:rPr lang="en-US" sz="2800" dirty="0" smtClean="0"/>
+              <a:rPr lang="en-US" sz="2800" dirty="0"/>
               <a:t> o parte de </a:t>
             </a:r>
             <a:r>
-              <a:rPr lang="en-US" sz="2800" dirty="0" err="1" smtClean="0"/>
+              <a:rPr lang="en-US" sz="2800" dirty="0" err="1"/>
               <a:t>comanda</a:t>
             </a:r>
             <a:r>
-              <a:rPr lang="en-US" sz="2800" dirty="0" smtClean="0"/>
+              <a:rPr lang="en-US" sz="2800" dirty="0"/>
               <a:t> in care se </a:t>
             </a:r>
             <a:r>
-              <a:rPr lang="en-US" sz="2800" dirty="0" err="1" smtClean="0"/>
+              <a:rPr lang="en-US" sz="2800" dirty="0" err="1"/>
               <a:t>specifica</a:t>
             </a:r>
             <a:r>
-              <a:rPr lang="en-US" sz="2800" dirty="0" smtClean="0"/>
+              <a:rPr lang="en-US" sz="2800" dirty="0"/>
               <a:t> </a:t>
             </a:r>
             <a:r>
-              <a:rPr lang="en-US" sz="2800" dirty="0" err="1" smtClean="0"/>
+              <a:rPr lang="en-US" sz="2800" dirty="0" err="1"/>
               <a:t>interactiunile</a:t>
             </a:r>
             <a:r>
-              <a:rPr lang="en-US" sz="2800" dirty="0" smtClean="0"/>
+              <a:rPr lang="en-US" sz="2800" dirty="0"/>
               <a:t> cu </a:t>
             </a:r>
             <a:r>
-              <a:rPr lang="en-US" sz="2800" dirty="0" err="1" smtClean="0"/>
+              <a:rPr lang="en-US" sz="2800" dirty="0" err="1"/>
               <a:t>utilizatorul</a:t>
             </a:r>
             <a:r>
-              <a:rPr lang="en-US" sz="2800" dirty="0" smtClean="0"/>
+              <a:rPr lang="en-US" sz="2800" dirty="0"/>
               <a:t> (menu, options)</a:t>
             </a:r>
           </a:p>
@@ -3943,13 +3945,6 @@
   <p:clrMapOvr>
     <a:masterClrMapping/>
   </p:clrMapOvr>
-  <p:timing>
-    <p:tnLst>
-      <p:par>
-        <p:cTn id="1" dur="indefinite" restart="never" nodeType="tmRoot"/>
-      </p:par>
-    </p:tnLst>
-  </p:timing>
 </p:sld>
 </file>
 
@@ -3986,22 +3981,21 @@
           <a:lstStyle/>
           <a:p>
             <a:r>
-              <a:rPr lang="en-US" dirty="0" err="1" smtClean="0"/>
+              <a:rPr lang="en-US" dirty="0" err="1"/>
               <a:t>Navigarea</a:t>
             </a:r>
             <a:r>
-              <a:rPr lang="en-US" dirty="0" smtClean="0"/>
+              <a:rPr lang="en-US" dirty="0"/>
               <a:t> in </a:t>
             </a:r>
             <a:r>
-              <a:rPr lang="en-US" dirty="0" err="1" smtClean="0"/>
+              <a:rPr lang="en-US" dirty="0" err="1"/>
               <a:t>aplicatie</a:t>
             </a:r>
             <a:r>
-              <a:rPr lang="en-US" dirty="0" smtClean="0"/>
+              <a:rPr lang="en-US" dirty="0"/>
               <a:t> - screenshots</a:t>
             </a:r>
-            <a:endParaRPr lang="en-US" dirty="0"/>
           </a:p>
         </p:txBody>
       </p:sp>
@@ -4024,10 +4018,9 @@
               <a:buNone/>
             </a:pPr>
             <a:r>
-              <a:rPr lang="en-US" dirty="0" smtClean="0"/>
+              <a:rPr lang="en-US" dirty="0"/>
               <a:t> </a:t>
             </a:r>
-            <a:endParaRPr lang="en-US" dirty="0"/>
           </a:p>
         </p:txBody>
       </p:sp>
@@ -4066,7 +4059,7 @@
       </p:pic>
       <p:pic>
         <p:nvPicPr>
-          <p:cNvPr id="5" name="Picture 4"/>
+          <p:cNvPr id="6" name="Picture 5"/>
           <p:cNvPicPr>
             <a:picLocks noChangeAspect="1" noChangeArrowheads="1"/>
           </p:cNvPicPr>
@@ -4081,8 +4074,8 @@
         </p:blipFill>
         <p:spPr bwMode="auto">
           <a:xfrm>
-            <a:off x="4724400" y="1600200"/>
-            <a:ext cx="3886200" cy="2220937"/>
+            <a:off x="4876800" y="4191000"/>
+            <a:ext cx="3833611" cy="2209800"/>
           </a:xfrm>
           <a:prstGeom prst="rect">
             <a:avLst/>
@@ -4099,7 +4092,7 @@
       </p:pic>
       <p:pic>
         <p:nvPicPr>
-          <p:cNvPr id="6" name="Picture 5"/>
+          <p:cNvPr id="7" name="Picture 3"/>
           <p:cNvPicPr>
             <a:picLocks noChangeAspect="1" noChangeArrowheads="1"/>
           </p:cNvPicPr>
@@ -4114,8 +4107,8 @@
         </p:blipFill>
         <p:spPr bwMode="auto">
           <a:xfrm>
-            <a:off x="4876800" y="4191000"/>
-            <a:ext cx="3833611" cy="2209800"/>
+            <a:off x="304800" y="4191000"/>
+            <a:ext cx="3886200" cy="2223962"/>
           </a:xfrm>
           <a:prstGeom prst="rect">
             <a:avLst/>
@@ -4130,171 +4123,157 @@
           <a:effectLst/>
         </p:spPr>
       </p:pic>
+      <p:sp>
+        <p:nvSpPr>
+          <p:cNvPr id="8" name="TextBox 7"/>
+          <p:cNvSpPr txBox="1"/>
+          <p:nvPr/>
+        </p:nvSpPr>
+        <p:spPr>
+          <a:xfrm>
+            <a:off x="1600200" y="1295400"/>
+            <a:ext cx="1282723" cy="369332"/>
+          </a:xfrm>
+          <a:prstGeom prst="rect">
+            <a:avLst/>
+          </a:prstGeom>
+          <a:noFill/>
+        </p:spPr>
+        <p:txBody>
+          <a:bodyPr wrap="none" rtlCol="0">
+            <a:spAutoFit/>
+          </a:bodyPr>
+          <a:lstStyle/>
+          <a:p>
+            <a:r>
+              <a:rPr lang="en-US" b="1" i="1" dirty="0"/>
+              <a:t>Main menu</a:t>
+            </a:r>
+          </a:p>
+        </p:txBody>
+      </p:sp>
+      <p:sp>
+        <p:nvSpPr>
+          <p:cNvPr id="9" name="TextBox 8"/>
+          <p:cNvSpPr txBox="1"/>
+          <p:nvPr/>
+        </p:nvSpPr>
+        <p:spPr>
+          <a:xfrm>
+            <a:off x="6096000" y="1295400"/>
+            <a:ext cx="1232325" cy="369332"/>
+          </a:xfrm>
+          <a:prstGeom prst="rect">
+            <a:avLst/>
+          </a:prstGeom>
+          <a:noFill/>
+        </p:spPr>
+        <p:txBody>
+          <a:bodyPr wrap="none" rtlCol="0">
+            <a:spAutoFit/>
+          </a:bodyPr>
+          <a:lstStyle/>
+          <a:p>
+            <a:r>
+              <a:rPr lang="en-US" b="1" i="1" dirty="0"/>
+              <a:t>Game over</a:t>
+            </a:r>
+          </a:p>
+        </p:txBody>
+      </p:sp>
+      <p:sp>
+        <p:nvSpPr>
+          <p:cNvPr id="10" name="TextBox 9"/>
+          <p:cNvSpPr txBox="1"/>
+          <p:nvPr/>
+        </p:nvSpPr>
+        <p:spPr>
+          <a:xfrm>
+            <a:off x="6324600" y="3886200"/>
+            <a:ext cx="753732" cy="369332"/>
+          </a:xfrm>
+          <a:prstGeom prst="rect">
+            <a:avLst/>
+          </a:prstGeom>
+          <a:noFill/>
+        </p:spPr>
+        <p:txBody>
+          <a:bodyPr wrap="none" rtlCol="0">
+            <a:spAutoFit/>
+          </a:bodyPr>
+          <a:lstStyle/>
+          <a:p>
+            <a:r>
+              <a:rPr lang="en-US" b="1" i="1" dirty="0"/>
+              <a:t>Game</a:t>
+            </a:r>
+          </a:p>
+        </p:txBody>
+      </p:sp>
+      <p:sp>
+        <p:nvSpPr>
+          <p:cNvPr id="11" name="TextBox 10"/>
+          <p:cNvSpPr txBox="1"/>
+          <p:nvPr/>
+        </p:nvSpPr>
+        <p:spPr>
+          <a:xfrm>
+            <a:off x="1676400" y="3962400"/>
+            <a:ext cx="930768" cy="369332"/>
+          </a:xfrm>
+          <a:prstGeom prst="rect">
+            <a:avLst/>
+          </a:prstGeom>
+          <a:noFill/>
+        </p:spPr>
+        <p:txBody>
+          <a:bodyPr wrap="none" rtlCol="0">
+            <a:spAutoFit/>
+          </a:bodyPr>
+          <a:lstStyle/>
+          <a:p>
+            <a:r>
+              <a:rPr lang="en-US" b="1" i="1" dirty="0"/>
+              <a:t>Options</a:t>
+            </a:r>
+          </a:p>
+        </p:txBody>
+      </p:sp>
       <p:pic>
         <p:nvPicPr>
-          <p:cNvPr id="7" name="Picture 3"/>
+          <p:cNvPr id="12" name="Imagine 11">
+            <a:extLst>
+              <a:ext uri="{FF2B5EF4-FFF2-40B4-BE49-F238E27FC236}">
+                <a16:creationId xmlns:a16="http://schemas.microsoft.com/office/drawing/2014/main" id="{CA267DAD-E1EE-450D-AF47-398F8D94B28D}"/>
+              </a:ext>
+            </a:extLst>
+          </p:cNvPr>
           <p:cNvPicPr>
-            <a:picLocks noChangeAspect="1" noChangeArrowheads="1"/>
+            <a:picLocks noChangeAspect="1"/>
           </p:cNvPicPr>
           <p:nvPr/>
         </p:nvPicPr>
         <p:blipFill>
           <a:blip r:embed="rId5"/>
-          <a:srcRect/>
           <a:stretch>
             <a:fillRect/>
           </a:stretch>
         </p:blipFill>
-        <p:spPr bwMode="auto">
-          <a:xfrm>
-            <a:off x="304800" y="4191000"/>
-            <a:ext cx="3886200" cy="2223962"/>
-          </a:xfrm>
-          <a:prstGeom prst="rect">
-            <a:avLst/>
-          </a:prstGeom>
-          <a:noFill/>
-          <a:ln w="9525">
-            <a:noFill/>
-            <a:miter lim="800000"/>
-            <a:headEnd/>
-            <a:tailEnd/>
-          </a:ln>
-          <a:effectLst/>
+        <p:spPr>
+          <a:xfrm>
+            <a:off x="4785337" y="1590982"/>
+            <a:ext cx="3901463" cy="2226162"/>
+          </a:xfrm>
+          <a:prstGeom prst="rect">
+            <a:avLst/>
+          </a:prstGeom>
         </p:spPr>
       </p:pic>
-      <p:sp>
-        <p:nvSpPr>
-          <p:cNvPr id="8" name="TextBox 7"/>
-          <p:cNvSpPr txBox="1"/>
-          <p:nvPr/>
-        </p:nvSpPr>
-        <p:spPr>
-          <a:xfrm>
-            <a:off x="1600200" y="1295400"/>
-            <a:ext cx="1282723" cy="369332"/>
-          </a:xfrm>
-          <a:prstGeom prst="rect">
-            <a:avLst/>
-          </a:prstGeom>
-          <a:noFill/>
-        </p:spPr>
-        <p:txBody>
-          <a:bodyPr wrap="none" rtlCol="0">
-            <a:spAutoFit/>
-          </a:bodyPr>
-          <a:lstStyle/>
-          <a:p>
-            <a:r>
-              <a:rPr lang="en-US" b="1" i="1" dirty="0" smtClean="0"/>
-              <a:t>Main menu</a:t>
-            </a:r>
-            <a:endParaRPr lang="en-US" b="1" i="1" dirty="0"/>
-          </a:p>
-        </p:txBody>
-      </p:sp>
-      <p:sp>
-        <p:nvSpPr>
-          <p:cNvPr id="9" name="TextBox 8"/>
-          <p:cNvSpPr txBox="1"/>
-          <p:nvPr/>
-        </p:nvSpPr>
-        <p:spPr>
-          <a:xfrm>
-            <a:off x="6096000" y="1295400"/>
-            <a:ext cx="1232325" cy="369332"/>
-          </a:xfrm>
-          <a:prstGeom prst="rect">
-            <a:avLst/>
-          </a:prstGeom>
-          <a:noFill/>
-        </p:spPr>
-        <p:txBody>
-          <a:bodyPr wrap="none" rtlCol="0">
-            <a:spAutoFit/>
-          </a:bodyPr>
-          <a:lstStyle/>
-          <a:p>
-            <a:r>
-              <a:rPr lang="en-US" b="1" i="1" dirty="0" smtClean="0"/>
-              <a:t>Game over</a:t>
-            </a:r>
-            <a:endParaRPr lang="en-US" b="1" i="1" dirty="0"/>
-          </a:p>
-        </p:txBody>
-      </p:sp>
-      <p:sp>
-        <p:nvSpPr>
-          <p:cNvPr id="10" name="TextBox 9"/>
-          <p:cNvSpPr txBox="1"/>
-          <p:nvPr/>
-        </p:nvSpPr>
-        <p:spPr>
-          <a:xfrm>
-            <a:off x="6324600" y="3886200"/>
-            <a:ext cx="753732" cy="369332"/>
-          </a:xfrm>
-          <a:prstGeom prst="rect">
-            <a:avLst/>
-          </a:prstGeom>
-          <a:noFill/>
-        </p:spPr>
-        <p:txBody>
-          <a:bodyPr wrap="none" rtlCol="0">
-            <a:spAutoFit/>
-          </a:bodyPr>
-          <a:lstStyle/>
-          <a:p>
-            <a:r>
-              <a:rPr lang="en-US" b="1" i="1" dirty="0" smtClean="0"/>
-              <a:t>Game</a:t>
-            </a:r>
-            <a:endParaRPr lang="en-US" b="1" i="1" dirty="0"/>
-          </a:p>
-        </p:txBody>
-      </p:sp>
-      <p:sp>
-        <p:nvSpPr>
-          <p:cNvPr id="11" name="TextBox 10"/>
-          <p:cNvSpPr txBox="1"/>
-          <p:nvPr/>
-        </p:nvSpPr>
-        <p:spPr>
-          <a:xfrm>
-            <a:off x="1676400" y="3962400"/>
-            <a:ext cx="930768" cy="369332"/>
-          </a:xfrm>
-          <a:prstGeom prst="rect">
-            <a:avLst/>
-          </a:prstGeom>
-          <a:noFill/>
-        </p:spPr>
-        <p:txBody>
-          <a:bodyPr wrap="none" rtlCol="0">
-            <a:spAutoFit/>
-          </a:bodyPr>
-          <a:lstStyle/>
-          <a:p>
-            <a:r>
-              <a:rPr lang="en-US" b="1" i="1" dirty="0" smtClean="0"/>
-              <a:t>Options</a:t>
-            </a:r>
-            <a:endParaRPr lang="en-US" b="1" i="1" dirty="0"/>
-          </a:p>
-        </p:txBody>
-      </p:sp>
     </p:spTree>
   </p:cSld>
   <p:clrMapOvr>
     <a:masterClrMapping/>
   </p:clrMapOvr>
-  <p:timing>
-    <p:tnLst>
-      <p:par>
-        <p:cTn id="1" dur="indefinite" restart="never" nodeType="tmRoot"/>
-      </p:par>
-    </p:tnLst>
-  </p:timing>
 </p:sld>
 </file>
 
@@ -4333,30 +4312,29 @@
           <a:lstStyle/>
           <a:p>
             <a:r>
-              <a:rPr lang="en-US" dirty="0" err="1" smtClean="0"/>
+              <a:rPr lang="en-US" dirty="0" err="1"/>
               <a:t>Navigarea</a:t>
             </a:r>
             <a:r>
-              <a:rPr lang="en-US" dirty="0" smtClean="0"/>
+              <a:rPr lang="en-US" dirty="0"/>
               <a:t> in </a:t>
             </a:r>
             <a:r>
-              <a:rPr lang="en-US" dirty="0" err="1" smtClean="0"/>
+              <a:rPr lang="en-US" dirty="0" err="1"/>
               <a:t>aplicatie</a:t>
             </a:r>
             <a:r>
-              <a:rPr lang="en-US" dirty="0" smtClean="0"/>
+              <a:rPr lang="en-US" dirty="0"/>
               <a:t> – </a:t>
             </a:r>
             <a:r>
-              <a:rPr lang="en-US" dirty="0" err="1" smtClean="0"/>
+              <a:rPr lang="en-US" dirty="0" err="1"/>
               <a:t>tastatura</a:t>
             </a:r>
             <a:r>
-              <a:rPr lang="en-US" dirty="0" smtClean="0"/>
+              <a:rPr lang="en-US" dirty="0"/>
               <a:t> </a:t>
             </a:r>
-            <a:endParaRPr lang="en-US" dirty="0"/>
           </a:p>
         </p:txBody>
       </p:sp>
@@ -4379,10 +4357,9 @@
               <a:buNone/>
             </a:pPr>
             <a:r>
-              <a:rPr lang="en-US" dirty="0" smtClean="0"/>
+              <a:rPr lang="en-US" dirty="0"/>
               <a:t>  </a:t>
             </a:r>
-            <a:endParaRPr lang="en-US" dirty="0"/>
           </a:p>
         </p:txBody>
       </p:sp>
@@ -4490,13 +4467,6 @@
   <p:clrMapOvr>
     <a:masterClrMapping/>
   </p:clrMapOvr>
-  <p:timing>
-    <p:tnLst>
-      <p:par>
-        <p:cTn id="1" dur="indefinite" restart="never" nodeType="tmRoot"/>
-      </p:par>
-    </p:tnLst>
-  </p:timing>
 </p:sld>
 </file>
 
@@ -4533,22 +4503,21 @@
           <a:lstStyle/>
           <a:p>
             <a:r>
-              <a:rPr lang="en-US" dirty="0" err="1" smtClean="0"/>
+              <a:rPr lang="en-US" dirty="0" err="1"/>
               <a:t>Navigarea</a:t>
             </a:r>
             <a:r>
-              <a:rPr lang="en-US" dirty="0" smtClean="0"/>
+              <a:rPr lang="en-US" dirty="0"/>
               <a:t> in </a:t>
             </a:r>
             <a:r>
-              <a:rPr lang="en-US" dirty="0" err="1" smtClean="0"/>
+              <a:rPr lang="en-US" dirty="0" err="1"/>
               <a:t>aplicatie</a:t>
             </a:r>
             <a:r>
-              <a:rPr lang="en-US" dirty="0" smtClean="0"/>
+              <a:rPr lang="en-US" dirty="0"/>
               <a:t> – “frontend”</a:t>
             </a:r>
-            <a:endParaRPr lang="en-US" dirty="0"/>
           </a:p>
         </p:txBody>
       </p:sp>
@@ -4625,13 +4594,6 @@
   <p:clrMapOvr>
     <a:masterClrMapping/>
   </p:clrMapOvr>
-  <p:timing>
-    <p:tnLst>
-      <p:par>
-        <p:cTn id="1" dur="indefinite" restart="never" nodeType="tmRoot"/>
-      </p:par>
-    </p:tnLst>
-  </p:timing>
 </p:sld>
 </file>
 
@@ -4668,7 +4630,7 @@
           <a:lstStyle/>
           <a:p>
             <a:r>
-              <a:rPr lang="en-US" dirty="0" err="1" smtClean="0"/>
+              <a:rPr lang="en-US" dirty="0" err="1"/>
               <a:t>Muzica</a:t>
             </a:r>
             <a:endParaRPr lang="en-US" dirty="0"/>
@@ -4695,53 +4657,53 @@
               <a:buChar char="-"/>
             </a:pPr>
             <a:r>
-              <a:rPr lang="en-US" dirty="0" smtClean="0"/>
+              <a:rPr lang="en-US" dirty="0"/>
               <a:t>Am </a:t>
             </a:r>
             <a:r>
-              <a:rPr lang="en-US" dirty="0" err="1" smtClean="0"/>
+              <a:rPr lang="en-US" dirty="0" err="1"/>
               <a:t>adaugat</a:t>
             </a:r>
             <a:r>
-              <a:rPr lang="en-US" dirty="0" smtClean="0"/>
+              <a:rPr lang="en-US" dirty="0"/>
               <a:t> </a:t>
             </a:r>
             <a:r>
-              <a:rPr lang="en-US" dirty="0" err="1" smtClean="0"/>
+              <a:rPr lang="en-US" dirty="0" err="1"/>
               <a:t>muzica</a:t>
             </a:r>
             <a:r>
-              <a:rPr lang="en-US" dirty="0" smtClean="0"/>
+              <a:rPr lang="en-US" dirty="0"/>
               <a:t> in </a:t>
             </a:r>
             <a:r>
-              <a:rPr lang="en-US" dirty="0" err="1" smtClean="0"/>
+              <a:rPr lang="en-US" dirty="0" err="1"/>
               <a:t>joc</a:t>
             </a:r>
             <a:r>
-              <a:rPr lang="en-US" dirty="0" smtClean="0"/>
+              <a:rPr lang="en-US" dirty="0"/>
               <a:t> </a:t>
             </a:r>
             <a:r>
-              <a:rPr lang="en-US" dirty="0" err="1" smtClean="0"/>
+              <a:rPr lang="en-US" dirty="0" err="1"/>
               <a:t>folosind</a:t>
             </a:r>
             <a:r>
-              <a:rPr lang="en-US" dirty="0" smtClean="0"/>
+              <a:rPr lang="en-US" dirty="0"/>
               <a:t> tot </a:t>
             </a:r>
             <a:r>
-              <a:rPr lang="en-US" dirty="0" err="1" smtClean="0"/>
+              <a:rPr lang="en-US" dirty="0" err="1"/>
               <a:t>libraria</a:t>
             </a:r>
-            <a:endParaRPr lang="en-US" dirty="0" smtClean="0"/>
+            <a:endParaRPr lang="en-US" dirty="0"/>
           </a:p>
           <a:p>
             <a:pPr>
               <a:buFontTx/>
               <a:buChar char="-"/>
             </a:pPr>
-            <a:endParaRPr lang="en-US" dirty="0" smtClean="0"/>
+            <a:endParaRPr lang="en-US" dirty="0"/>
           </a:p>
         </p:txBody>
       </p:sp>
@@ -4928,13 +4890,6 @@
   <p:clrMapOvr>
     <a:masterClrMapping/>
   </p:clrMapOvr>
-  <p:timing>
-    <p:tnLst>
-      <p:par>
-        <p:cTn id="1" dur="indefinite" restart="never" nodeType="tmRoot"/>
-      </p:par>
-    </p:tnLst>
-  </p:timing>
 </p:sld>
 </file>
 
@@ -4971,10 +4926,9 @@
           <a:lstStyle/>
           <a:p>
             <a:r>
-              <a:rPr lang="en-US" dirty="0" smtClean="0"/>
+              <a:rPr lang="en-US" dirty="0"/>
               <a:t>Controller</a:t>
             </a:r>
-            <a:endParaRPr lang="en-US" dirty="0"/>
           </a:p>
         </p:txBody>
       </p:sp>
@@ -5054,7 +5008,7 @@
               <a:defRPr/>
             </a:pPr>
             <a:r>
-              <a:rPr kumimoji="0" lang="en-US" sz="2200" b="0" i="0" u="none" strike="noStrike" kern="1200" cap="none" spc="0" normalizeH="0" baseline="0" noProof="0" dirty="0" smtClean="0">
+              <a:rPr kumimoji="0" lang="en-US" sz="2200" b="0" i="0" u="none" strike="noStrike" kern="1200" cap="none" spc="0" normalizeH="0" baseline="0" noProof="0" dirty="0">
                 <a:ln>
                   <a:noFill/>
                 </a:ln>
@@ -5068,10 +5022,31 @@
                 <a:ea typeface="+mn-ea"/>
                 <a:cs typeface="+mn-cs"/>
               </a:rPr>
-              <a:t> -   </a:t>
-            </a:r>
-            <a:r>
-              <a:rPr kumimoji="0" lang="en-US" sz="2200" b="0" i="0" u="none" strike="noStrike" kern="1200" cap="none" spc="0" normalizeH="0" baseline="0" noProof="0" dirty="0" err="1" smtClean="0">
+              <a:t> </a:t>
+            </a:r>
+            <a:r>
+              <a:rPr lang="en-US" sz="2200" dirty="0"/>
+              <a:t>    </a:t>
+            </a:r>
+            <a:r>
+              <a:rPr kumimoji="0" lang="en-US" sz="2200" b="0" i="0" u="none" strike="noStrike" kern="1200" cap="none" spc="0" normalizeH="0" baseline="0" noProof="0" dirty="0">
+                <a:ln>
+                  <a:noFill/>
+                </a:ln>
+                <a:solidFill>
+                  <a:schemeClr val="tx1"/>
+                </a:solidFill>
+                <a:effectLst/>
+                <a:uLnTx/>
+                <a:uFillTx/>
+                <a:latin typeface="+mn-lt"/>
+                <a:ea typeface="+mn-ea"/>
+                <a:cs typeface="+mn-cs"/>
+              </a:rPr>
+              <a:t> </a:t>
+            </a:r>
+            <a:r>
+              <a:rPr kumimoji="0" lang="en-US" sz="2200" b="0" i="0" u="none" strike="noStrike" kern="1200" cap="none" spc="0" normalizeH="0" baseline="0" noProof="0" dirty="0" err="1">
                 <a:ln>
                   <a:noFill/>
                 </a:ln>
@@ -5088,7 +5063,7 @@
               <a:t>Pentru</a:t>
             </a:r>
             <a:r>
-              <a:rPr kumimoji="0" lang="en-US" sz="2200" b="0" i="0" u="none" strike="noStrike" kern="1200" cap="none" spc="0" normalizeH="0" baseline="0" noProof="0" dirty="0" smtClean="0">
+              <a:rPr kumimoji="0" lang="en-US" sz="2200" b="0" i="0" u="none" strike="noStrike" kern="1200" cap="none" spc="0" normalizeH="0" baseline="0" noProof="0" dirty="0">
                 <a:ln>
                   <a:noFill/>
                 </a:ln>
@@ -5105,7 +5080,7 @@
               <a:t> a </a:t>
             </a:r>
             <a:r>
-              <a:rPr kumimoji="0" lang="en-US" sz="2200" b="0" i="0" u="none" strike="noStrike" kern="1200" cap="none" spc="0" normalizeH="0" baseline="0" noProof="0" dirty="0" err="1" smtClean="0">
+              <a:rPr kumimoji="0" lang="en-US" sz="2200" b="0" i="0" u="none" strike="noStrike" kern="1200" cap="none" spc="0" normalizeH="0" baseline="0" noProof="0" dirty="0" err="1">
                 <a:ln>
                   <a:noFill/>
                 </a:ln>
@@ -5122,7 +5097,7 @@
               <a:t>putea</a:t>
             </a:r>
             <a:r>
-              <a:rPr kumimoji="0" lang="en-US" sz="2200" b="0" i="0" u="none" strike="noStrike" kern="1200" cap="none" spc="0" normalizeH="0" baseline="0" noProof="0" dirty="0" smtClean="0">
+              <a:rPr kumimoji="0" lang="en-US" sz="2200" b="0" i="0" u="none" strike="noStrike" kern="1200" cap="none" spc="0" normalizeH="0" baseline="0" noProof="0" dirty="0">
                 <a:ln>
                   <a:noFill/>
                 </a:ln>
@@ -5139,7 +5114,7 @@
               <a:t> </a:t>
             </a:r>
             <a:r>
-              <a:rPr kumimoji="0" lang="en-US" sz="2200" b="0" i="0" u="none" strike="noStrike" kern="1200" cap="none" spc="0" normalizeH="0" baseline="0" noProof="0" dirty="0" err="1" smtClean="0">
+              <a:rPr kumimoji="0" lang="en-US" sz="2200" b="0" i="0" u="none" strike="noStrike" kern="1200" cap="none" spc="0" normalizeH="0" baseline="0" noProof="0" dirty="0" err="1">
                 <a:ln>
                   <a:noFill/>
                 </a:ln>
@@ -5156,7 +5131,7 @@
               <a:t>folosi</a:t>
             </a:r>
             <a:r>
-              <a:rPr kumimoji="0" lang="en-US" sz="2200" b="0" i="0" u="none" strike="noStrike" kern="1200" cap="none" spc="0" normalizeH="0" baseline="0" noProof="0" dirty="0" smtClean="0">
+              <a:rPr kumimoji="0" lang="en-US" sz="2200" b="0" i="0" u="none" strike="noStrike" kern="1200" cap="none" spc="0" normalizeH="0" baseline="0" noProof="0" dirty="0">
                 <a:ln>
                   <a:noFill/>
                 </a:ln>
@@ -5173,7 +5148,7 @@
               <a:t> un controller extern, am</a:t>
             </a:r>
             <a:r>
-              <a:rPr kumimoji="0" lang="en-US" sz="2200" b="0" i="0" u="none" strike="noStrike" kern="1200" cap="none" spc="0" normalizeH="0" noProof="0" dirty="0" smtClean="0">
+              <a:rPr kumimoji="0" lang="en-US" sz="2200" b="0" i="0" u="none" strike="noStrike" kern="1200" cap="none" spc="0" normalizeH="0" noProof="0" dirty="0">
                 <a:ln>
                   <a:noFill/>
                 </a:ln>
@@ -5190,7 +5165,7 @@
               <a:t> </a:t>
             </a:r>
             <a:r>
-              <a:rPr kumimoji="0" lang="en-US" sz="2200" b="0" i="0" u="none" strike="noStrike" kern="1200" cap="none" spc="0" normalizeH="0" noProof="0" dirty="0" err="1" smtClean="0">
+              <a:rPr kumimoji="0" lang="en-US" sz="2200" b="0" i="0" u="none" strike="noStrike" kern="1200" cap="none" spc="0" normalizeH="0" noProof="0" dirty="0" err="1">
                 <a:ln>
                   <a:noFill/>
                 </a:ln>
@@ -5207,7 +5182,7 @@
               <a:t>facut</a:t>
             </a:r>
             <a:r>
-              <a:rPr kumimoji="0" lang="en-US" sz="2200" b="0" i="0" u="none" strike="noStrike" kern="1200" cap="none" spc="0" normalizeH="0" noProof="0" dirty="0" smtClean="0">
+              <a:rPr kumimoji="0" lang="en-US" sz="2200" b="0" i="0" u="none" strike="noStrike" kern="1200" cap="none" spc="0" normalizeH="0" noProof="0" dirty="0">
                 <a:ln>
                   <a:noFill/>
                 </a:ln>
@@ -5224,7 +5199,7 @@
               <a:t> </a:t>
             </a:r>
             <a:r>
-              <a:rPr kumimoji="0" lang="en-US" sz="2200" b="0" i="0" u="none" strike="noStrike" kern="1200" cap="none" spc="0" normalizeH="0" baseline="0" noProof="0" dirty="0" smtClean="0">
+              <a:rPr kumimoji="0" lang="en-US" sz="2200" b="0" i="0" u="none" strike="noStrike" kern="1200" cap="none" spc="0" normalizeH="0" baseline="0" noProof="0" dirty="0">
                 <a:ln>
                   <a:noFill/>
                 </a:ln>
@@ -5241,7 +5216,7 @@
               <a:t>un cod de test (care nu </a:t>
             </a:r>
             <a:r>
-              <a:rPr kumimoji="0" lang="en-US" sz="2200" b="0" i="0" u="none" strike="noStrike" kern="1200" cap="none" spc="0" normalizeH="0" baseline="0" noProof="0" dirty="0" err="1" smtClean="0">
+              <a:rPr kumimoji="0" lang="en-US" sz="2200" b="0" i="0" u="none" strike="noStrike" kern="1200" cap="none" spc="0" normalizeH="0" baseline="0" noProof="0" dirty="0" err="1">
                 <a:ln>
                   <a:noFill/>
                 </a:ln>
@@ -5258,7 +5233,7 @@
               <a:t>este</a:t>
             </a:r>
             <a:r>
-              <a:rPr kumimoji="0" lang="en-US" sz="2200" b="0" i="0" u="none" strike="noStrike" kern="1200" cap="none" spc="0" normalizeH="0" baseline="0" noProof="0" dirty="0" smtClean="0">
+              <a:rPr kumimoji="0" lang="en-US" sz="2200" b="0" i="0" u="none" strike="noStrike" kern="1200" cap="none" spc="0" normalizeH="0" baseline="0" noProof="0" dirty="0">
                 <a:ln>
                   <a:noFill/>
                 </a:ln>
@@ -5275,7 +5250,7 @@
               <a:t> in program)</a:t>
             </a:r>
             <a:r>
-              <a:rPr kumimoji="0" lang="en-US" sz="2200" b="0" i="0" u="none" strike="noStrike" kern="1200" cap="none" spc="0" normalizeH="0" noProof="0" dirty="0" smtClean="0">
+              <a:rPr kumimoji="0" lang="en-US" sz="2200" b="0" i="0" u="none" strike="noStrike" kern="1200" cap="none" spc="0" normalizeH="0" noProof="0" dirty="0">
                 <a:ln>
                   <a:noFill/>
                 </a:ln>
@@ -5292,7 +5267,7 @@
               <a:t> </a:t>
             </a:r>
             <a:r>
-              <a:rPr kumimoji="0" lang="en-US" sz="2200" b="0" i="0" u="none" strike="noStrike" kern="1200" cap="none" spc="0" normalizeH="0" baseline="0" noProof="0" dirty="0" smtClean="0">
+              <a:rPr kumimoji="0" lang="en-US" sz="2200" b="0" i="0" u="none" strike="noStrike" kern="1200" cap="none" spc="0" normalizeH="0" baseline="0" noProof="0" dirty="0">
                 <a:ln>
                   <a:noFill/>
                 </a:ln>
@@ -5309,7 +5284,7 @@
               <a:t>care</a:t>
             </a:r>
             <a:r>
-              <a:rPr kumimoji="0" lang="en-US" sz="2200" b="0" i="0" u="none" strike="noStrike" kern="1200" cap="none" spc="0" normalizeH="0" noProof="0" dirty="0" smtClean="0">
+              <a:rPr kumimoji="0" lang="en-US" sz="2200" b="0" i="0" u="none" strike="noStrike" kern="1200" cap="none" spc="0" normalizeH="0" noProof="0" dirty="0">
                 <a:ln>
                   <a:noFill/>
                 </a:ln>
@@ -5326,7 +5301,7 @@
               <a:t> </a:t>
             </a:r>
             <a:r>
-              <a:rPr kumimoji="0" lang="en-US" sz="2200" b="0" i="0" u="none" strike="noStrike" kern="1200" cap="none" spc="0" normalizeH="0" noProof="0" dirty="0" err="1" smtClean="0">
+              <a:rPr kumimoji="0" lang="en-US" sz="2200" b="0" i="0" u="none" strike="noStrike" kern="1200" cap="none" spc="0" normalizeH="0" noProof="0" dirty="0" err="1">
                 <a:ln>
                   <a:noFill/>
                 </a:ln>
@@ -5343,7 +5318,7 @@
               <a:t>initializeaza</a:t>
             </a:r>
             <a:r>
-              <a:rPr kumimoji="0" lang="en-US" sz="2200" b="0" i="0" u="none" strike="noStrike" kern="1200" cap="none" spc="0" normalizeH="0" noProof="0" dirty="0" smtClean="0">
+              <a:rPr kumimoji="0" lang="en-US" sz="2200" b="0" i="0" u="none" strike="noStrike" kern="1200" cap="none" spc="0" normalizeH="0" noProof="0" dirty="0">
                 <a:ln>
                   <a:noFill/>
                 </a:ln>
@@ -5360,7 +5335,7 @@
               <a:t> un joystick </a:t>
             </a:r>
             <a:r>
-              <a:rPr kumimoji="0" lang="en-US" sz="2200" b="0" i="0" u="none" strike="noStrike" kern="1200" cap="none" spc="0" normalizeH="0" noProof="0" dirty="0" err="1" smtClean="0">
+              <a:rPr kumimoji="0" lang="en-US" sz="2200" b="0" i="0" u="none" strike="noStrike" kern="1200" cap="none" spc="0" normalizeH="0" noProof="0" dirty="0" err="1">
                 <a:ln>
                   <a:noFill/>
                 </a:ln>
@@ -5377,7 +5352,7 @@
               <a:t>si</a:t>
             </a:r>
             <a:r>
-              <a:rPr kumimoji="0" lang="en-US" sz="2200" b="0" i="0" u="none" strike="noStrike" kern="1200" cap="none" spc="0" normalizeH="0" noProof="0" dirty="0" smtClean="0">
+              <a:rPr kumimoji="0" lang="en-US" sz="2200" b="0" i="0" u="none" strike="noStrike" kern="1200" cap="none" spc="0" normalizeH="0" noProof="0" dirty="0">
                 <a:ln>
                   <a:noFill/>
                 </a:ln>
@@ -5394,7 +5369,7 @@
               <a:t> </a:t>
             </a:r>
             <a:r>
-              <a:rPr kumimoji="0" lang="en-US" sz="2200" b="0" i="0" u="none" strike="noStrike" kern="1200" cap="none" spc="0" normalizeH="0" noProof="0" dirty="0" err="1" smtClean="0">
+              <a:rPr kumimoji="0" lang="en-US" sz="2200" b="0" i="0" u="none" strike="noStrike" kern="1200" cap="none" spc="0" normalizeH="0" noProof="0" dirty="0" err="1">
                 <a:ln>
                   <a:noFill/>
                 </a:ln>
@@ -5411,7 +5386,7 @@
               <a:t>afiseaza</a:t>
             </a:r>
             <a:r>
-              <a:rPr kumimoji="0" lang="en-US" sz="2200" b="0" i="0" u="none" strike="noStrike" kern="1200" cap="none" spc="0" normalizeH="0" noProof="0" dirty="0" smtClean="0">
+              <a:rPr kumimoji="0" lang="en-US" sz="2200" b="0" i="0" u="none" strike="noStrike" kern="1200" cap="none" spc="0" normalizeH="0" noProof="0" dirty="0">
                 <a:ln>
                   <a:noFill/>
                 </a:ln>
@@ -5428,7 +5403,7 @@
               <a:t> in </a:t>
             </a:r>
             <a:r>
-              <a:rPr kumimoji="0" lang="en-US" sz="2200" b="0" i="0" u="none" strike="noStrike" kern="1200" cap="none" spc="0" normalizeH="0" noProof="0" dirty="0" err="1" smtClean="0">
+              <a:rPr kumimoji="0" lang="en-US" sz="2200" b="0" i="0" u="none" strike="noStrike" kern="1200" cap="none" spc="0" normalizeH="0" noProof="0" dirty="0" err="1">
                 <a:ln>
                   <a:noFill/>
                 </a:ln>
@@ -5445,7 +5420,7 @@
               <a:t>consola</a:t>
             </a:r>
             <a:r>
-              <a:rPr kumimoji="0" lang="en-US" sz="2200" b="0" i="0" u="none" strike="noStrike" kern="1200" cap="none" spc="0" normalizeH="0" noProof="0" dirty="0" smtClean="0">
+              <a:rPr kumimoji="0" lang="en-US" sz="2200" b="0" i="0" u="none" strike="noStrike" kern="1200" cap="none" spc="0" normalizeH="0" noProof="0" dirty="0">
                 <a:ln>
                   <a:noFill/>
                 </a:ln>
@@ -5462,7 +5437,7 @@
               <a:t> </a:t>
             </a:r>
             <a:r>
-              <a:rPr kumimoji="0" lang="en-US" sz="2200" b="0" i="0" u="none" strike="noStrike" kern="1200" cap="none" spc="0" normalizeH="0" noProof="0" dirty="0" err="1" smtClean="0">
+              <a:rPr kumimoji="0" lang="en-US" sz="2200" b="0" i="0" u="none" strike="noStrike" kern="1200" cap="none" spc="0" normalizeH="0" noProof="0" dirty="0" err="1">
                 <a:ln>
                   <a:noFill/>
                 </a:ln>
@@ -5479,7 +5454,7 @@
               <a:t>atunci</a:t>
             </a:r>
             <a:r>
-              <a:rPr kumimoji="0" lang="en-US" sz="2200" b="0" i="0" u="none" strike="noStrike" kern="1200" cap="none" spc="0" normalizeH="0" noProof="0" dirty="0" smtClean="0">
+              <a:rPr kumimoji="0" lang="en-US" sz="2200" b="0" i="0" u="none" strike="noStrike" kern="1200" cap="none" spc="0" normalizeH="0" noProof="0" dirty="0">
                 <a:ln>
                   <a:noFill/>
                 </a:ln>
@@ -5496,7 +5471,7 @@
               <a:t> </a:t>
             </a:r>
             <a:r>
-              <a:rPr kumimoji="0" lang="en-US" sz="2200" b="0" i="0" u="none" strike="noStrike" kern="1200" cap="none" spc="0" normalizeH="0" noProof="0" dirty="0" err="1" smtClean="0">
+              <a:rPr kumimoji="0" lang="en-US" sz="2200" b="0" i="0" u="none" strike="noStrike" kern="1200" cap="none" spc="0" normalizeH="0" noProof="0" dirty="0" err="1">
                 <a:ln>
                   <a:noFill/>
                 </a:ln>
@@ -5513,7 +5488,7 @@
               <a:t>cand</a:t>
             </a:r>
             <a:r>
-              <a:rPr kumimoji="0" lang="en-US" sz="2200" b="0" i="0" u="none" strike="noStrike" kern="1200" cap="none" spc="0" normalizeH="0" noProof="0" dirty="0" smtClean="0">
+              <a:rPr kumimoji="0" lang="en-US" sz="2200" b="0" i="0" u="none" strike="noStrike" kern="1200" cap="none" spc="0" normalizeH="0" noProof="0" dirty="0">
                 <a:ln>
                   <a:noFill/>
                 </a:ln>
@@ -5530,7 +5505,7 @@
               <a:t> se </a:t>
             </a:r>
             <a:r>
-              <a:rPr kumimoji="0" lang="en-US" sz="2200" b="0" i="0" u="none" strike="noStrike" kern="1200" cap="none" spc="0" normalizeH="0" noProof="0" dirty="0" err="1" smtClean="0">
+              <a:rPr kumimoji="0" lang="en-US" sz="2200" b="0" i="0" u="none" strike="noStrike" kern="1200" cap="none" spc="0" normalizeH="0" noProof="0" dirty="0" err="1">
                 <a:ln>
                   <a:noFill/>
                 </a:ln>
@@ -5547,7 +5522,7 @@
               <a:t>apasa</a:t>
             </a:r>
             <a:r>
-              <a:rPr kumimoji="0" lang="en-US" sz="2200" b="0" i="0" u="none" strike="noStrike" kern="1200" cap="none" spc="0" normalizeH="0" noProof="0" dirty="0" smtClean="0">
+              <a:rPr kumimoji="0" lang="en-US" sz="2200" b="0" i="0" u="none" strike="noStrike" kern="1200" cap="none" spc="0" normalizeH="0" noProof="0" dirty="0">
                 <a:ln>
                   <a:noFill/>
                 </a:ln>
@@ -5564,7 +5539,7 @@
               <a:t>/nu se </a:t>
             </a:r>
             <a:r>
-              <a:rPr kumimoji="0" lang="en-US" sz="2200" b="0" i="0" u="none" strike="noStrike" kern="1200" cap="none" spc="0" normalizeH="0" noProof="0" dirty="0" err="1" smtClean="0">
+              <a:rPr kumimoji="0" lang="en-US" sz="2200" b="0" i="0" u="none" strike="noStrike" kern="1200" cap="none" spc="0" normalizeH="0" noProof="0" dirty="0" err="1">
                 <a:ln>
                   <a:noFill/>
                 </a:ln>
@@ -5581,7 +5556,7 @@
               <a:t>mai</a:t>
             </a:r>
             <a:r>
-              <a:rPr kumimoji="0" lang="en-US" sz="2200" b="0" i="0" u="none" strike="noStrike" kern="1200" cap="none" spc="0" normalizeH="0" noProof="0" dirty="0" smtClean="0">
+              <a:rPr kumimoji="0" lang="en-US" sz="2200" b="0" i="0" u="none" strike="noStrike" kern="1200" cap="none" spc="0" normalizeH="0" noProof="0" dirty="0">
                 <a:ln>
                   <a:noFill/>
                 </a:ln>
@@ -5598,7 +5573,7 @@
               <a:t> </a:t>
             </a:r>
             <a:r>
-              <a:rPr kumimoji="0" lang="en-US" sz="2200" b="0" i="0" u="none" strike="noStrike" kern="1200" cap="none" spc="0" normalizeH="0" noProof="0" dirty="0" err="1" smtClean="0">
+              <a:rPr kumimoji="0" lang="en-US" sz="2200" b="0" i="0" u="none" strike="noStrike" kern="1200" cap="none" spc="0" normalizeH="0" noProof="0" dirty="0" err="1">
                 <a:ln>
                   <a:noFill/>
                 </a:ln>
@@ -5615,7 +5590,7 @@
               <a:t>apasa</a:t>
             </a:r>
             <a:r>
-              <a:rPr kumimoji="0" lang="en-US" sz="2200" b="0" i="0" u="none" strike="noStrike" kern="1200" cap="none" spc="0" normalizeH="0" noProof="0" dirty="0" smtClean="0">
+              <a:rPr kumimoji="0" lang="en-US" sz="2200" b="0" i="0" u="none" strike="noStrike" kern="1200" cap="none" spc="0" normalizeH="0" noProof="0" dirty="0">
                 <a:ln>
                   <a:noFill/>
                 </a:ln>
@@ -5632,7 +5607,7 @@
               <a:t> un </a:t>
             </a:r>
             <a:r>
-              <a:rPr kumimoji="0" lang="en-US" sz="2200" b="0" i="0" u="none" strike="noStrike" kern="1200" cap="none" spc="0" normalizeH="0" noProof="0" dirty="0" err="1" smtClean="0">
+              <a:rPr kumimoji="0" lang="en-US" sz="2200" b="0" i="0" u="none" strike="noStrike" kern="1200" cap="none" spc="0" normalizeH="0" noProof="0" dirty="0" err="1">
                 <a:ln>
                   <a:noFill/>
                 </a:ln>
@@ -5649,7 +5624,7 @@
               <a:t>buton</a:t>
             </a:r>
             <a:r>
-              <a:rPr kumimoji="0" lang="en-US" sz="2200" b="0" i="0" u="none" strike="noStrike" kern="1200" cap="none" spc="0" normalizeH="0" baseline="0" noProof="0" dirty="0" smtClean="0">
+              <a:rPr kumimoji="0" lang="en-US" sz="2200" b="0" i="0" u="none" strike="noStrike" kern="1200" cap="none" spc="0" normalizeH="0" baseline="0" noProof="0" dirty="0">
                 <a:ln>
                   <a:noFill/>
                 </a:ln>
@@ -5685,74 +5660,62 @@
               <a:defRPr/>
             </a:pPr>
             <a:r>
-              <a:rPr lang="en-US" sz="2200" dirty="0" smtClean="0"/>
+              <a:rPr lang="en-US" sz="2200" dirty="0"/>
+              <a:t>      Am </a:t>
+            </a:r>
+            <a:r>
+              <a:rPr lang="en-US" sz="2200" dirty="0" err="1"/>
+              <a:t>folosit</a:t>
+            </a:r>
+            <a:r>
+              <a:rPr lang="en-US" sz="2200" dirty="0"/>
               <a:t> </a:t>
             </a:r>
             <a:r>
-              <a:rPr lang="en-US" sz="2200" dirty="0" smtClean="0"/>
-              <a:t>-   Am </a:t>
-            </a:r>
-            <a:r>
-              <a:rPr lang="en-US" sz="2200" dirty="0" err="1" smtClean="0"/>
-              <a:t>folosit</a:t>
-            </a:r>
-            <a:r>
-              <a:rPr lang="en-US" sz="2200" dirty="0" smtClean="0"/>
+              <a:rPr lang="en-US" sz="2200" dirty="0" err="1"/>
+              <a:t>acest</a:t>
+            </a:r>
+            <a:r>
+              <a:rPr lang="en-US" sz="2200" dirty="0"/>
+              <a:t> cod </a:t>
+            </a:r>
+            <a:r>
+              <a:rPr lang="en-US" sz="2200" dirty="0" err="1"/>
+              <a:t>pentru</a:t>
+            </a:r>
+            <a:r>
+              <a:rPr lang="en-US" sz="2200" dirty="0"/>
+              <a:t> a </a:t>
+            </a:r>
+            <a:r>
+              <a:rPr lang="en-US" sz="2200" dirty="0" err="1"/>
+              <a:t>vedea</a:t>
+            </a:r>
+            <a:r>
+              <a:rPr lang="en-US" sz="2200" dirty="0"/>
+              <a:t> cum sunt </a:t>
+            </a:r>
+            <a:r>
+              <a:rPr lang="en-US" sz="2200" dirty="0" err="1"/>
+              <a:t>numerotate</a:t>
+            </a:r>
+            <a:r>
+              <a:rPr lang="en-US" sz="2200" dirty="0"/>
               <a:t> </a:t>
             </a:r>
             <a:r>
-              <a:rPr lang="en-US" sz="2200" dirty="0" err="1" smtClean="0"/>
-              <a:t>acest</a:t>
-            </a:r>
-            <a:r>
-              <a:rPr lang="en-US" sz="2200" dirty="0" smtClean="0"/>
-              <a:t> cod </a:t>
-            </a:r>
-            <a:r>
-              <a:rPr lang="en-US" sz="2200" dirty="0" err="1" smtClean="0"/>
-              <a:t>pentru</a:t>
-            </a:r>
-            <a:r>
-              <a:rPr lang="en-US" sz="2200" dirty="0" smtClean="0"/>
-              <a:t> a </a:t>
-            </a:r>
-            <a:r>
-              <a:rPr lang="en-US" sz="2200" dirty="0" err="1" smtClean="0"/>
-              <a:t>vedea</a:t>
-            </a:r>
-            <a:r>
-              <a:rPr lang="en-US" sz="2200" dirty="0" smtClean="0"/>
-              <a:t> cum </a:t>
-            </a:r>
-            <a:r>
-              <a:rPr lang="en-US" sz="2200" dirty="0" err="1" smtClean="0"/>
-              <a:t>sunt</a:t>
-            </a:r>
-            <a:r>
-              <a:rPr lang="en-US" sz="2200" dirty="0" smtClean="0"/>
+              <a:rPr lang="en-US" sz="2200" dirty="0" err="1"/>
+              <a:t>butoanele</a:t>
+            </a:r>
+            <a:r>
+              <a:rPr lang="en-US" sz="2200" dirty="0"/>
               <a:t> </a:t>
             </a:r>
             <a:r>
-              <a:rPr lang="en-US" sz="2200" dirty="0" err="1" smtClean="0"/>
-              <a:t>numerotate</a:t>
-            </a:r>
-            <a:r>
-              <a:rPr lang="en-US" sz="2200" dirty="0" smtClean="0"/>
-              <a:t> </a:t>
-            </a:r>
-            <a:r>
-              <a:rPr lang="en-US" sz="2200" dirty="0" err="1" smtClean="0"/>
-              <a:t>butoanele</a:t>
-            </a:r>
-            <a:r>
-              <a:rPr lang="en-US" sz="2200" dirty="0" smtClean="0"/>
-              <a:t> </a:t>
-            </a:r>
-            <a:r>
-              <a:rPr lang="en-US" sz="2200" dirty="0" err="1" smtClean="0"/>
+              <a:rPr lang="en-US" sz="2200" dirty="0" err="1"/>
               <a:t>controllerului</a:t>
             </a:r>
-            <a:endParaRPr kumimoji="0" lang="en-US" sz="2200" b="0" i="0" u="none" strike="noStrike" kern="1200" cap="none" spc="0" normalizeH="0" baseline="0" noProof="0" dirty="0" smtClean="0">
+            <a:endParaRPr kumimoji="0" lang="en-US" sz="2200" b="0" i="0" u="none" strike="noStrike" kern="1200" cap="none" spc="0" normalizeH="0" baseline="0" noProof="0" dirty="0">
               <a:ln>
                 <a:noFill/>
               </a:ln>
@@ -5802,6 +5765,70 @@
           </a:p>
         </p:txBody>
       </p:sp>
+      <p:pic>
+        <p:nvPicPr>
+          <p:cNvPr id="6" name="Picture 19" descr="Meteor - Kostenlose natur-Icons">
+            <a:extLst>
+              <a:ext uri="{FF2B5EF4-FFF2-40B4-BE49-F238E27FC236}">
+                <a16:creationId xmlns:a16="http://schemas.microsoft.com/office/drawing/2014/main" id="{ABE0B12E-6DA3-4047-8BE6-002504A9CD50}"/>
+              </a:ext>
+            </a:extLst>
+          </p:cNvPr>
+          <p:cNvPicPr>
+            <a:picLocks noChangeAspect="1" noChangeArrowheads="1"/>
+          </p:cNvPicPr>
+          <p:nvPr/>
+        </p:nvPicPr>
+        <p:blipFill>
+          <a:blip r:embed="rId3" cstate="print"/>
+          <a:srcRect/>
+          <a:stretch>
+            <a:fillRect/>
+          </a:stretch>
+        </p:blipFill>
+        <p:spPr bwMode="auto">
+          <a:xfrm rot="13437158">
+            <a:off x="384041" y="1355592"/>
+            <a:ext cx="382831" cy="382831"/>
+          </a:xfrm>
+          <a:prstGeom prst="rect">
+            <a:avLst/>
+          </a:prstGeom>
+          <a:noFill/>
+        </p:spPr>
+      </p:pic>
+      <p:pic>
+        <p:nvPicPr>
+          <p:cNvPr id="7" name="Picture 19" descr="Meteor - Kostenlose natur-Icons">
+            <a:extLst>
+              <a:ext uri="{FF2B5EF4-FFF2-40B4-BE49-F238E27FC236}">
+                <a16:creationId xmlns:a16="http://schemas.microsoft.com/office/drawing/2014/main" id="{5FC851D8-FDAE-48F8-9015-A40799E30ACF}"/>
+              </a:ext>
+            </a:extLst>
+          </p:cNvPr>
+          <p:cNvPicPr>
+            <a:picLocks noChangeAspect="1" noChangeArrowheads="1"/>
+          </p:cNvPicPr>
+          <p:nvPr/>
+        </p:nvPicPr>
+        <p:blipFill>
+          <a:blip r:embed="rId3" cstate="print"/>
+          <a:srcRect/>
+          <a:stretch>
+            <a:fillRect/>
+          </a:stretch>
+        </p:blipFill>
+        <p:spPr bwMode="auto">
+          <a:xfrm rot="13437158">
+            <a:off x="384041" y="2385878"/>
+            <a:ext cx="382831" cy="382831"/>
+          </a:xfrm>
+          <a:prstGeom prst="rect">
+            <a:avLst/>
+          </a:prstGeom>
+          <a:noFill/>
+        </p:spPr>
+      </p:pic>
     </p:spTree>
   </p:cSld>
   <p:clrMapOvr>
@@ -5874,11 +5901,11 @@
           <a:lstStyle/>
           <a:p>
             <a:r>
-              <a:rPr lang="en-US" dirty="0" smtClean="0"/>
+              <a:rPr lang="en-US" dirty="0"/>
               <a:t>Controller - </a:t>
             </a:r>
             <a:r>
-              <a:rPr lang="en-US" dirty="0" err="1" smtClean="0"/>
+              <a:rPr lang="en-US" dirty="0" err="1"/>
               <a:t>butoane</a:t>
             </a:r>
             <a:endParaRPr lang="en-US" dirty="0"/>
@@ -5904,10 +5931,9 @@
               <a:buNone/>
             </a:pPr>
             <a:r>
-              <a:rPr lang="en-US" dirty="0" smtClean="0"/>
+              <a:rPr lang="en-US" dirty="0"/>
               <a:t> </a:t>
             </a:r>
-            <a:endParaRPr lang="en-US" dirty="0"/>
           </a:p>
         </p:txBody>
       </p:sp>
@@ -6476,10 +6502,9 @@
           <a:lstStyle/>
           <a:p>
             <a:r>
-              <a:rPr lang="en-US" dirty="0" smtClean="0"/>
+              <a:rPr lang="en-US" dirty="0"/>
               <a:t>10</a:t>
             </a:r>
-            <a:endParaRPr lang="en-US" dirty="0"/>
           </a:p>
         </p:txBody>
       </p:sp>
@@ -6506,10 +6531,9 @@
           <a:lstStyle/>
           <a:p>
             <a:r>
-              <a:rPr lang="en-US" dirty="0" smtClean="0"/>
+              <a:rPr lang="en-US" dirty="0"/>
               <a:t>9</a:t>
             </a:r>
-            <a:endParaRPr lang="en-US" dirty="0"/>
           </a:p>
         </p:txBody>
       </p:sp>
@@ -6536,10 +6560,9 @@
           <a:lstStyle/>
           <a:p>
             <a:r>
-              <a:rPr lang="en-US" dirty="0" smtClean="0"/>
+              <a:rPr lang="en-US" dirty="0"/>
               <a:t>14</a:t>
             </a:r>
-            <a:endParaRPr lang="en-US" dirty="0"/>
           </a:p>
         </p:txBody>
       </p:sp>
@@ -6566,10 +6589,9 @@
           <a:lstStyle/>
           <a:p>
             <a:r>
-              <a:rPr lang="en-US" dirty="0" smtClean="0"/>
+              <a:rPr lang="en-US" dirty="0"/>
               <a:t>11</a:t>
             </a:r>
-            <a:endParaRPr lang="en-US" dirty="0"/>
           </a:p>
         </p:txBody>
       </p:sp>
@@ -6596,10 +6618,9 @@
           <a:lstStyle/>
           <a:p>
             <a:r>
-              <a:rPr lang="en-US" dirty="0" smtClean="0"/>
+              <a:rPr lang="en-US" dirty="0"/>
               <a:t>13</a:t>
             </a:r>
-            <a:endParaRPr lang="en-US" dirty="0"/>
           </a:p>
         </p:txBody>
       </p:sp>
@@ -6626,10 +6647,9 @@
           <a:lstStyle/>
           <a:p>
             <a:r>
-              <a:rPr lang="en-US" dirty="0" smtClean="0"/>
+              <a:rPr lang="en-US" dirty="0"/>
               <a:t>12</a:t>
             </a:r>
-            <a:endParaRPr lang="en-US" dirty="0"/>
           </a:p>
         </p:txBody>
       </p:sp>
@@ -6656,10 +6676,9 @@
           <a:lstStyle/>
           <a:p>
             <a:r>
-              <a:rPr lang="en-US" dirty="0" smtClean="0"/>
+              <a:rPr lang="en-US" dirty="0"/>
               <a:t>3</a:t>
             </a:r>
-            <a:endParaRPr lang="en-US" dirty="0"/>
           </a:p>
         </p:txBody>
       </p:sp>
@@ -6686,10 +6705,9 @@
           <a:lstStyle/>
           <a:p>
             <a:r>
-              <a:rPr lang="en-US" dirty="0" smtClean="0"/>
+              <a:rPr lang="en-US" dirty="0"/>
               <a:t>2</a:t>
             </a:r>
-            <a:endParaRPr lang="en-US" dirty="0"/>
           </a:p>
         </p:txBody>
       </p:sp>
@@ -6716,10 +6734,9 @@
           <a:lstStyle/>
           <a:p>
             <a:r>
-              <a:rPr lang="en-US" dirty="0" smtClean="0"/>
+              <a:rPr lang="en-US" dirty="0"/>
               <a:t>1</a:t>
             </a:r>
-            <a:endParaRPr lang="en-US" dirty="0"/>
           </a:p>
         </p:txBody>
       </p:sp>
@@ -6746,10 +6763,9 @@
           <a:lstStyle/>
           <a:p>
             <a:r>
-              <a:rPr lang="en-US" dirty="0" smtClean="0"/>
+              <a:rPr lang="en-US" dirty="0"/>
               <a:t>0</a:t>
             </a:r>
-            <a:endParaRPr lang="en-US" dirty="0"/>
           </a:p>
         </p:txBody>
       </p:sp>
@@ -6854,19 +6870,19 @@
           <a:lstStyle/>
           <a:p>
             <a:r>
-              <a:rPr lang="en-US" dirty="0" smtClean="0"/>
+              <a:rPr lang="en-US" dirty="0"/>
               <a:t>Controller – </a:t>
             </a:r>
             <a:r>
-              <a:rPr lang="en-US" dirty="0" err="1" smtClean="0"/>
+              <a:rPr lang="en-US" dirty="0" err="1"/>
               <a:t>integrare</a:t>
             </a:r>
             <a:r>
-              <a:rPr lang="en-US" dirty="0" smtClean="0"/>
+              <a:rPr lang="en-US" dirty="0"/>
               <a:t> in </a:t>
             </a:r>
             <a:r>
-              <a:rPr lang="en-US" dirty="0" err="1" smtClean="0"/>
+              <a:rPr lang="en-US" dirty="0" err="1"/>
               <a:t>aplicatie</a:t>
             </a:r>
             <a:endParaRPr lang="en-US" dirty="0"/>
@@ -6890,91 +6906,85 @@
           </a:bodyPr>
           <a:lstStyle/>
           <a:p>
+            <a:pPr marL="0" indent="0">
+              <a:buNone/>
+            </a:pPr>
+            <a:r>
+              <a:rPr lang="en-US" sz="2400" dirty="0"/>
+              <a:t>      Am </a:t>
+            </a:r>
+            <a:r>
+              <a:rPr lang="en-US" sz="2400" dirty="0" err="1"/>
+              <a:t>declarat</a:t>
+            </a:r>
+            <a:r>
+              <a:rPr lang="en-US" sz="2400" dirty="0"/>
+              <a:t> controller-ul </a:t>
+            </a:r>
+            <a:r>
+              <a:rPr lang="en-US" sz="2400" dirty="0" err="1"/>
+              <a:t>folosind</a:t>
+            </a:r>
+            <a:r>
+              <a:rPr lang="en-US" sz="2400" dirty="0"/>
+              <a:t> </a:t>
+            </a:r>
+            <a:r>
+              <a:rPr lang="en-US" sz="2400" dirty="0" err="1"/>
+              <a:t>libraria</a:t>
+            </a:r>
+            <a:endParaRPr lang="en-US" sz="2400" dirty="0"/>
+          </a:p>
+          <a:p>
             <a:pPr>
               <a:buFontTx/>
               <a:buChar char="-"/>
             </a:pPr>
-            <a:r>
-              <a:rPr lang="en-US" sz="2400" dirty="0" smtClean="0"/>
-              <a:t>Am </a:t>
-            </a:r>
-            <a:r>
-              <a:rPr lang="en-US" sz="2400" dirty="0" err="1" smtClean="0"/>
-              <a:t>declarat</a:t>
-            </a:r>
-            <a:r>
-              <a:rPr lang="en-US" sz="2400" dirty="0" smtClean="0"/>
-              <a:t> controller-</a:t>
-            </a:r>
-            <a:r>
-              <a:rPr lang="en-US" sz="2400" dirty="0" err="1" smtClean="0"/>
-              <a:t>ul</a:t>
-            </a:r>
-            <a:r>
-              <a:rPr lang="en-US" sz="2400" dirty="0" smtClean="0"/>
-              <a:t> </a:t>
-            </a:r>
-            <a:r>
-              <a:rPr lang="en-US" sz="2400" dirty="0" err="1" smtClean="0"/>
-              <a:t>folosind</a:t>
-            </a:r>
-            <a:r>
-              <a:rPr lang="en-US" sz="2400" dirty="0" smtClean="0"/>
-              <a:t> </a:t>
-            </a:r>
-            <a:r>
-              <a:rPr lang="en-US" sz="2400" dirty="0" err="1" smtClean="0"/>
-              <a:t>libraria</a:t>
-            </a:r>
-            <a:endParaRPr lang="en-US" sz="2400" dirty="0" smtClean="0"/>
+            <a:endParaRPr lang="en-US" sz="2400" dirty="0"/>
           </a:p>
           <a:p>
             <a:pPr>
               <a:buFontTx/>
               <a:buChar char="-"/>
             </a:pPr>
-            <a:endParaRPr lang="en-US" sz="2400" dirty="0" smtClean="0"/>
+            <a:endParaRPr lang="en-US" sz="2400" dirty="0"/>
           </a:p>
           <a:p>
             <a:pPr>
               <a:buFontTx/>
               <a:buChar char="-"/>
             </a:pPr>
-            <a:endParaRPr lang="en-US" sz="2400" dirty="0" smtClean="0"/>
+            <a:endParaRPr lang="en-US" sz="2400" dirty="0"/>
           </a:p>
           <a:p>
             <a:pPr>
               <a:buFontTx/>
               <a:buChar char="-"/>
             </a:pPr>
-            <a:endParaRPr lang="en-US" sz="2400" dirty="0" smtClean="0"/>
-          </a:p>
-          <a:p>
-            <a:pPr>
-              <a:buFontTx/>
-              <a:buChar char="-"/>
+            <a:endParaRPr lang="en-US" sz="2400" dirty="0"/>
+          </a:p>
+          <a:p>
+            <a:pPr marL="0" indent="0">
+              <a:buNone/>
             </a:pPr>
-            <a:endParaRPr lang="en-US" sz="2400" dirty="0" smtClean="0"/>
-          </a:p>
-          <a:p>
-            <a:pPr>
-              <a:buFontTx/>
-              <a:buChar char="-"/>
-            </a:pPr>
-            <a:r>
-              <a:rPr lang="en-US" sz="2400" dirty="0" err="1" smtClean="0"/>
+            <a:r>
+              <a:rPr lang="en-US" sz="2400" dirty="0"/>
+              <a:t>       </a:t>
+            </a:r>
+            <a:r>
+              <a:rPr lang="en-US" sz="2400" dirty="0" err="1"/>
               <a:t>Butoanele</a:t>
             </a:r>
             <a:r>
-              <a:rPr lang="en-US" sz="2400" dirty="0" smtClean="0"/>
+              <a:rPr lang="en-US" sz="2400" dirty="0"/>
               <a:t> </a:t>
             </a:r>
             <a:r>
-              <a:rPr lang="en-US" sz="2400" dirty="0" err="1" smtClean="0"/>
+              <a:rPr lang="en-US" sz="2400" dirty="0" err="1"/>
               <a:t>folosite</a:t>
             </a:r>
             <a:r>
-              <a:rPr lang="en-US" sz="2400" dirty="0" smtClean="0"/>
+              <a:rPr lang="en-US" sz="2400" dirty="0"/>
               <a:t>: </a:t>
             </a:r>
           </a:p>
@@ -6984,7 +6994,7 @@
               <a:buChar char="-"/>
             </a:pPr>
             <a:r>
-              <a:rPr lang="en-US" sz="2000" dirty="0" smtClean="0"/>
+              <a:rPr lang="en-US" sz="2000" dirty="0"/>
               <a:t>0 (in loc de K_DOWN)</a:t>
             </a:r>
           </a:p>
@@ -6994,7 +7004,7 @@
               <a:buChar char="-"/>
             </a:pPr>
             <a:r>
-              <a:rPr lang="en-US" sz="2000" dirty="0" smtClean="0"/>
+              <a:rPr lang="en-US" sz="2000" dirty="0"/>
               <a:t>1 (in loc de K_RIGHT)</a:t>
             </a:r>
           </a:p>
@@ -7004,7 +7014,7 @@
               <a:buChar char="-"/>
             </a:pPr>
             <a:r>
-              <a:rPr lang="en-US" sz="2000" dirty="0" smtClean="0"/>
+              <a:rPr lang="en-US" sz="2000" dirty="0"/>
               <a:t>2 (in loc de K_LEFT)</a:t>
             </a:r>
           </a:p>
@@ -7014,15 +7024,15 @@
               <a:buChar char="-"/>
             </a:pPr>
             <a:r>
-              <a:rPr lang="en-US" sz="2000" dirty="0" smtClean="0"/>
+              <a:rPr lang="en-US" sz="2000" dirty="0"/>
               <a:t>3</a:t>
             </a:r>
             <a:r>
-              <a:rPr lang="ro-RO" sz="2000" dirty="0" smtClean="0"/>
+              <a:rPr lang="ro-RO" sz="2000" dirty="0"/>
               <a:t> </a:t>
             </a:r>
             <a:r>
-              <a:rPr lang="en-US" sz="2000" dirty="0" smtClean="0"/>
+              <a:rPr lang="en-US" sz="2000" dirty="0"/>
               <a:t>(in loc de K_UP)</a:t>
             </a:r>
           </a:p>
@@ -7032,18 +7042,17 @@
               <a:buChar char="-"/>
             </a:pPr>
             <a:r>
-              <a:rPr lang="en-US" sz="2000" dirty="0" smtClean="0"/>
+              <a:rPr lang="en-US" sz="2000" dirty="0"/>
               <a:t>9</a:t>
             </a:r>
             <a:r>
-              <a:rPr lang="ro-RO" sz="2000" dirty="0" smtClean="0"/>
+              <a:rPr lang="ro-RO" sz="2000" dirty="0"/>
               <a:t> </a:t>
             </a:r>
             <a:r>
-              <a:rPr lang="en-US" sz="2000" dirty="0" smtClean="0"/>
+              <a:rPr lang="en-US" sz="2000" dirty="0"/>
               <a:t>(in loc de K_RETURN)</a:t>
             </a:r>
-            <a:endParaRPr lang="en-US" sz="2000" dirty="0"/>
           </a:p>
         </p:txBody>
       </p:sp>
@@ -7167,6 +7176,70 @@
             <a:tailEnd/>
           </a:ln>
           <a:effectLst/>
+        </p:spPr>
+      </p:pic>
+      <p:pic>
+        <p:nvPicPr>
+          <p:cNvPr id="8" name="Picture 19" descr="Meteor - Kostenlose natur-Icons">
+            <a:extLst>
+              <a:ext uri="{FF2B5EF4-FFF2-40B4-BE49-F238E27FC236}">
+                <a16:creationId xmlns:a16="http://schemas.microsoft.com/office/drawing/2014/main" id="{7670B6AC-5118-4910-836A-1FCDB793DA10}"/>
+              </a:ext>
+            </a:extLst>
+          </p:cNvPr>
+          <p:cNvPicPr>
+            <a:picLocks noChangeAspect="1" noChangeArrowheads="1"/>
+          </p:cNvPicPr>
+          <p:nvPr/>
+        </p:nvPicPr>
+        <p:blipFill>
+          <a:blip r:embed="rId5" cstate="print"/>
+          <a:srcRect/>
+          <a:stretch>
+            <a:fillRect/>
+          </a:stretch>
+        </p:blipFill>
+        <p:spPr bwMode="auto">
+          <a:xfrm rot="13437158">
+            <a:off x="418184" y="1671527"/>
+            <a:ext cx="382831" cy="382831"/>
+          </a:xfrm>
+          <a:prstGeom prst="rect">
+            <a:avLst/>
+          </a:prstGeom>
+          <a:noFill/>
+        </p:spPr>
+      </p:pic>
+      <p:pic>
+        <p:nvPicPr>
+          <p:cNvPr id="10" name="Picture 19" descr="Meteor - Kostenlose natur-Icons">
+            <a:extLst>
+              <a:ext uri="{FF2B5EF4-FFF2-40B4-BE49-F238E27FC236}">
+                <a16:creationId xmlns:a16="http://schemas.microsoft.com/office/drawing/2014/main" id="{B263FED1-519C-4B14-8967-FB36033FA9FC}"/>
+              </a:ext>
+            </a:extLst>
+          </p:cNvPr>
+          <p:cNvPicPr>
+            <a:picLocks noChangeAspect="1" noChangeArrowheads="1"/>
+          </p:cNvPicPr>
+          <p:nvPr/>
+        </p:nvPicPr>
+        <p:blipFill>
+          <a:blip r:embed="rId5" cstate="print"/>
+          <a:srcRect/>
+          <a:stretch>
+            <a:fillRect/>
+          </a:stretch>
+        </p:blipFill>
+        <p:spPr bwMode="auto">
+          <a:xfrm rot="13437158">
+            <a:off x="500882" y="3813042"/>
+            <a:ext cx="382831" cy="382831"/>
+          </a:xfrm>
+          <a:prstGeom prst="rect">
+            <a:avLst/>
+          </a:prstGeom>
+          <a:noFill/>
         </p:spPr>
       </p:pic>
     </p:spTree>
@@ -7210,19 +7283,19 @@
           <a:lstStyle/>
           <a:p>
             <a:r>
-              <a:rPr lang="en-US" dirty="0" smtClean="0"/>
+              <a:rPr lang="en-US" dirty="0"/>
               <a:t>Controller – </a:t>
             </a:r>
             <a:r>
-              <a:rPr lang="en-US" dirty="0" err="1" smtClean="0"/>
+              <a:rPr lang="en-US" dirty="0" err="1"/>
               <a:t>integrare</a:t>
             </a:r>
             <a:r>
-              <a:rPr lang="en-US" dirty="0" smtClean="0"/>
+              <a:rPr lang="en-US" dirty="0"/>
               <a:t> in </a:t>
             </a:r>
             <a:r>
-              <a:rPr lang="en-US" dirty="0" err="1" smtClean="0"/>
+              <a:rPr lang="en-US" dirty="0" err="1"/>
               <a:t>aplicatie</a:t>
             </a:r>
             <a:endParaRPr lang="en-US" dirty="0"/>
@@ -7246,206 +7319,203 @@
           </a:bodyPr>
           <a:lstStyle/>
           <a:p>
-            <a:pPr>
-              <a:buFontTx/>
-              <a:buChar char="-"/>
+            <a:pPr marL="0" indent="0">
+              <a:buNone/>
             </a:pPr>
             <a:r>
-              <a:rPr lang="en-US" sz="2800" dirty="0" err="1" smtClean="0"/>
+              <a:rPr lang="en-US" sz="2800" dirty="0"/>
+              <a:t>	</a:t>
+            </a:r>
+            <a:r>
+              <a:rPr lang="en-US" sz="2800" dirty="0" err="1"/>
               <a:t>Cand</a:t>
             </a:r>
             <a:r>
-              <a:rPr lang="en-US" sz="2800" dirty="0" smtClean="0"/>
+              <a:rPr lang="en-US" sz="2800" dirty="0"/>
               <a:t> se </a:t>
             </a:r>
             <a:r>
-              <a:rPr lang="en-US" sz="2800" dirty="0" err="1" smtClean="0"/>
+              <a:rPr lang="en-US" sz="2800" dirty="0" err="1"/>
               <a:t>apasa</a:t>
             </a:r>
             <a:r>
-              <a:rPr lang="en-US" sz="2800" dirty="0" smtClean="0"/>
+              <a:rPr lang="en-US" sz="2800" dirty="0"/>
               <a:t> un </a:t>
             </a:r>
             <a:r>
-              <a:rPr lang="en-US" sz="2800" dirty="0" err="1" smtClean="0"/>
+              <a:rPr lang="en-US" sz="2800" dirty="0" err="1"/>
               <a:t>buton</a:t>
             </a:r>
             <a:r>
-              <a:rPr lang="en-US" sz="2800" dirty="0" smtClean="0"/>
+              <a:rPr lang="en-US" sz="2800" dirty="0"/>
               <a:t> al controller-</a:t>
             </a:r>
             <a:r>
-              <a:rPr lang="en-US" sz="2800" dirty="0" err="1" smtClean="0"/>
+              <a:rPr lang="en-US" sz="2800" dirty="0" err="1"/>
               <a:t>ului</a:t>
             </a:r>
             <a:r>
-              <a:rPr lang="en-US" sz="2800" dirty="0" smtClean="0"/>
+              <a:rPr lang="en-US" sz="2800" dirty="0"/>
               <a:t>, se face un </a:t>
             </a:r>
             <a:r>
-              <a:rPr lang="en-US" sz="2800" dirty="0" err="1" smtClean="0"/>
+              <a:rPr lang="en-US" sz="2800" dirty="0" err="1"/>
               <a:t>eveniment</a:t>
             </a:r>
             <a:r>
-              <a:rPr lang="en-US" sz="2800" dirty="0" smtClean="0"/>
+              <a:rPr lang="en-US" sz="2800" dirty="0"/>
               <a:t> de </a:t>
             </a:r>
             <a:r>
-              <a:rPr lang="en-US" sz="2800" dirty="0" err="1" smtClean="0"/>
+              <a:rPr lang="en-US" sz="2800" dirty="0" err="1"/>
               <a:t>tipul</a:t>
             </a:r>
             <a:r>
-              <a:rPr lang="en-US" sz="2800" dirty="0" smtClean="0"/>
+              <a:rPr lang="en-US" sz="2800" dirty="0"/>
               <a:t> </a:t>
             </a:r>
             <a:r>
-              <a:rPr lang="en-US" sz="2800" i="1" dirty="0" err="1" smtClean="0"/>
+              <a:rPr lang="en-US" sz="2800" i="1" dirty="0" err="1"/>
               <a:t>pygame.JOYBUTTONDOWN</a:t>
             </a:r>
-            <a:endParaRPr lang="en-US" sz="2800" i="1" dirty="0" smtClean="0"/>
-          </a:p>
-          <a:p>
-            <a:pPr>
-              <a:buFontTx/>
-              <a:buChar char="-"/>
+            <a:endParaRPr lang="en-US" sz="2800" i="1" dirty="0"/>
+          </a:p>
+          <a:p>
+            <a:pPr marL="0" indent="0">
+              <a:buNone/>
             </a:pPr>
             <a:r>
-              <a:rPr lang="en-US" sz="2800" dirty="0" err="1" smtClean="0"/>
+              <a:rPr lang="en-US" sz="2800" dirty="0"/>
+              <a:t>	</a:t>
+            </a:r>
+            <a:r>
+              <a:rPr lang="en-US" sz="2800" dirty="0" err="1"/>
               <a:t>Interactiunea</a:t>
             </a:r>
             <a:r>
-              <a:rPr lang="en-US" sz="2800" dirty="0" smtClean="0"/>
-              <a:t> cu controller-</a:t>
-            </a:r>
-            <a:r>
-              <a:rPr lang="en-US" sz="2800" dirty="0" err="1" smtClean="0"/>
-              <a:t>ul</a:t>
-            </a:r>
-            <a:r>
-              <a:rPr lang="en-US" sz="2800" dirty="0" smtClean="0"/>
-              <a:t> se face </a:t>
-            </a:r>
-            <a:r>
-              <a:rPr lang="en-US" sz="2800" dirty="0" err="1" smtClean="0"/>
+              <a:rPr lang="en-US" sz="2800" dirty="0"/>
+              <a:t> cu controller-ul se face </a:t>
+            </a:r>
+            <a:r>
+              <a:rPr lang="en-US" sz="2800" dirty="0" err="1"/>
               <a:t>prin</a:t>
             </a:r>
             <a:r>
-              <a:rPr lang="en-US" sz="2800" dirty="0" smtClean="0"/>
+              <a:rPr lang="en-US" sz="2800" dirty="0"/>
               <a:t> a se </a:t>
             </a:r>
             <a:r>
-              <a:rPr lang="en-US" sz="2800" dirty="0" err="1" smtClean="0"/>
+              <a:rPr lang="en-US" sz="2800" dirty="0" err="1"/>
               <a:t>verifica</a:t>
             </a:r>
             <a:r>
-              <a:rPr lang="en-US" sz="2800" dirty="0" smtClean="0"/>
+              <a:rPr lang="en-US" sz="2800" dirty="0"/>
               <a:t> </a:t>
             </a:r>
             <a:r>
-              <a:rPr lang="en-US" sz="2800" dirty="0" err="1" smtClean="0"/>
+              <a:rPr lang="en-US" sz="2800" dirty="0" err="1"/>
               <a:t>daca</a:t>
             </a:r>
             <a:r>
-              <a:rPr lang="en-US" sz="2800" dirty="0" smtClean="0"/>
+              <a:rPr lang="en-US" sz="2800" dirty="0"/>
               <a:t> s-a </a:t>
             </a:r>
             <a:r>
-              <a:rPr lang="en-US" sz="2800" dirty="0" err="1" smtClean="0"/>
+              <a:rPr lang="en-US" sz="2800" dirty="0" err="1"/>
               <a:t>generat</a:t>
             </a:r>
             <a:r>
-              <a:rPr lang="en-US" sz="2800" dirty="0" smtClean="0"/>
+              <a:rPr lang="en-US" sz="2800" dirty="0"/>
               <a:t> un </a:t>
             </a:r>
             <a:r>
-              <a:rPr lang="en-US" sz="2800" dirty="0" err="1" smtClean="0"/>
+              <a:rPr lang="en-US" sz="2800" dirty="0" err="1"/>
               <a:t>eveniment</a:t>
             </a:r>
             <a:r>
-              <a:rPr lang="en-US" sz="2800" dirty="0" smtClean="0"/>
+              <a:rPr lang="en-US" sz="2800" dirty="0"/>
               <a:t> de </a:t>
             </a:r>
             <a:r>
-              <a:rPr lang="en-US" sz="2800" dirty="0" err="1" smtClean="0"/>
+              <a:rPr lang="en-US" sz="2800" dirty="0" err="1"/>
               <a:t>acel</a:t>
             </a:r>
             <a:r>
-              <a:rPr lang="en-US" sz="2800" dirty="0" smtClean="0"/>
+              <a:rPr lang="en-US" sz="2800" dirty="0"/>
               <a:t> tip, </a:t>
             </a:r>
             <a:r>
-              <a:rPr lang="en-US" sz="2800" dirty="0" err="1" smtClean="0"/>
+              <a:rPr lang="en-US" sz="2800" dirty="0" err="1"/>
               <a:t>iar</a:t>
             </a:r>
             <a:r>
-              <a:rPr lang="en-US" sz="2800" dirty="0" smtClean="0"/>
+              <a:rPr lang="en-US" sz="2800" dirty="0"/>
               <a:t> </a:t>
             </a:r>
             <a:r>
-              <a:rPr lang="en-US" sz="2800" dirty="0" err="1" smtClean="0"/>
+              <a:rPr lang="en-US" sz="2800" dirty="0" err="1"/>
               <a:t>apoi</a:t>
             </a:r>
             <a:r>
-              <a:rPr lang="en-US" sz="2800" dirty="0" smtClean="0"/>
+              <a:rPr lang="en-US" sz="2800" dirty="0"/>
               <a:t> se </a:t>
             </a:r>
             <a:r>
-              <a:rPr lang="en-US" sz="2800" dirty="0" err="1" smtClean="0"/>
+              <a:rPr lang="en-US" sz="2800" dirty="0" err="1"/>
               <a:t>verifica</a:t>
             </a:r>
             <a:r>
-              <a:rPr lang="en-US" sz="2800" dirty="0" smtClean="0"/>
+              <a:rPr lang="en-US" sz="2800" dirty="0"/>
               <a:t> </a:t>
             </a:r>
             <a:r>
-              <a:rPr lang="en-US" sz="2800" dirty="0" err="1" smtClean="0"/>
+              <a:rPr lang="en-US" sz="2800" dirty="0" err="1"/>
               <a:t>daca</a:t>
             </a:r>
             <a:r>
-              <a:rPr lang="en-US" sz="2800" dirty="0" smtClean="0"/>
+              <a:rPr lang="en-US" sz="2800" dirty="0"/>
               <a:t> a </a:t>
             </a:r>
             <a:r>
-              <a:rPr lang="en-US" sz="2800" dirty="0" err="1" smtClean="0"/>
+              <a:rPr lang="en-US" sz="2800" dirty="0" err="1"/>
               <a:t>fost</a:t>
             </a:r>
             <a:r>
-              <a:rPr lang="en-US" sz="2800" dirty="0" smtClean="0"/>
+              <a:rPr lang="en-US" sz="2800" dirty="0"/>
               <a:t> </a:t>
             </a:r>
             <a:r>
-              <a:rPr lang="en-US" sz="2800" dirty="0" err="1" smtClean="0"/>
+              <a:rPr lang="en-US" sz="2800" dirty="0" err="1"/>
               <a:t>apasata</a:t>
             </a:r>
             <a:r>
-              <a:rPr lang="en-US" sz="2800" dirty="0" smtClean="0"/>
+              <a:rPr lang="en-US" sz="2800" dirty="0"/>
               <a:t> </a:t>
             </a:r>
             <a:r>
-              <a:rPr lang="en-US" sz="2800" dirty="0" err="1" smtClean="0"/>
+              <a:rPr lang="en-US" sz="2800" dirty="0" err="1"/>
               <a:t>cifra</a:t>
             </a:r>
             <a:r>
-              <a:rPr lang="en-US" sz="2800" dirty="0" smtClean="0"/>
+              <a:rPr lang="en-US" sz="2800" dirty="0"/>
               <a:t> </a:t>
             </a:r>
             <a:r>
-              <a:rPr lang="en-US" sz="2800" dirty="0" err="1" smtClean="0"/>
+              <a:rPr lang="en-US" sz="2800" dirty="0" err="1"/>
               <a:t>corespunzatoare</a:t>
             </a:r>
             <a:r>
-              <a:rPr lang="en-US" sz="2800" dirty="0" smtClean="0"/>
+              <a:rPr lang="en-US" sz="2800" dirty="0"/>
               <a:t> </a:t>
             </a:r>
             <a:r>
-              <a:rPr lang="en-US" sz="2800" dirty="0" err="1" smtClean="0"/>
+              <a:rPr lang="en-US" sz="2800" dirty="0" err="1"/>
               <a:t>butonului</a:t>
             </a:r>
             <a:r>
-              <a:rPr lang="en-US" sz="2800" dirty="0" smtClean="0"/>
+              <a:rPr lang="en-US" sz="2800" dirty="0"/>
               <a:t>.</a:t>
             </a:r>
-            <a:endParaRPr lang="en-US" sz="2800" dirty="0" smtClean="0"/>
           </a:p>
           <a:p>
             <a:pPr>
@@ -7455,6 +7525,70 @@
           </a:p>
         </p:txBody>
       </p:sp>
+      <p:pic>
+        <p:nvPicPr>
+          <p:cNvPr id="4" name="Picture 19" descr="Meteor - Kostenlose natur-Icons">
+            <a:extLst>
+              <a:ext uri="{FF2B5EF4-FFF2-40B4-BE49-F238E27FC236}">
+                <a16:creationId xmlns:a16="http://schemas.microsoft.com/office/drawing/2014/main" id="{4969293E-20C8-483F-B89B-B216CEF7D034}"/>
+              </a:ext>
+            </a:extLst>
+          </p:cNvPr>
+          <p:cNvPicPr>
+            <a:picLocks noChangeAspect="1" noChangeArrowheads="1"/>
+          </p:cNvPicPr>
+          <p:nvPr/>
+        </p:nvPicPr>
+        <p:blipFill>
+          <a:blip r:embed="rId2" cstate="print"/>
+          <a:srcRect/>
+          <a:stretch>
+            <a:fillRect/>
+          </a:stretch>
+        </p:blipFill>
+        <p:spPr bwMode="auto">
+          <a:xfrm rot="13437158">
+            <a:off x="807099" y="2677231"/>
+            <a:ext cx="382831" cy="382831"/>
+          </a:xfrm>
+          <a:prstGeom prst="rect">
+            <a:avLst/>
+          </a:prstGeom>
+          <a:noFill/>
+        </p:spPr>
+      </p:pic>
+      <p:pic>
+        <p:nvPicPr>
+          <p:cNvPr id="5" name="Picture 19" descr="Meteor - Kostenlose natur-Icons">
+            <a:extLst>
+              <a:ext uri="{FF2B5EF4-FFF2-40B4-BE49-F238E27FC236}">
+                <a16:creationId xmlns:a16="http://schemas.microsoft.com/office/drawing/2014/main" id="{B9F0DFFD-6295-4257-B992-C5A5B5F8DD94}"/>
+              </a:ext>
+            </a:extLst>
+          </p:cNvPr>
+          <p:cNvPicPr>
+            <a:picLocks noChangeAspect="1" noChangeArrowheads="1"/>
+          </p:cNvPicPr>
+          <p:nvPr/>
+        </p:nvPicPr>
+        <p:blipFill>
+          <a:blip r:embed="rId2" cstate="print"/>
+          <a:srcRect/>
+          <a:stretch>
+            <a:fillRect/>
+          </a:stretch>
+        </p:blipFill>
+        <p:spPr bwMode="auto">
+          <a:xfrm rot="13437158">
+            <a:off x="807099" y="1679442"/>
+            <a:ext cx="382831" cy="382831"/>
+          </a:xfrm>
+          <a:prstGeom prst="rect">
+            <a:avLst/>
+          </a:prstGeom>
+          <a:noFill/>
+        </p:spPr>
+      </p:pic>
     </p:spTree>
   </p:cSld>
   <p:clrMapOvr>
@@ -7529,10 +7663,9 @@
           <a:lstStyle/>
           <a:p>
             <a:r>
-              <a:rPr lang="en-US" dirty="0" smtClean="0"/>
+              <a:rPr lang="en-US" dirty="0"/>
               <a:t>Overview</a:t>
             </a:r>
-            <a:endParaRPr lang="en-US" dirty="0"/>
           </a:p>
         </p:txBody>
       </p:sp>
@@ -7563,22 +7696,18 @@
             </a:pPr>
             <a:r>
               <a:rPr lang="en-US" sz="2800" dirty="0"/>
+              <a:t>  Am </a:t>
+            </a:r>
+            <a:r>
+              <a:rPr lang="en-US" sz="2800" dirty="0" err="1"/>
+              <a:t>folosit</a:t>
+            </a:r>
+            <a:r>
+              <a:rPr lang="en-US" sz="2800" dirty="0"/>
               <a:t> </a:t>
             </a:r>
             <a:r>
-              <a:rPr lang="en-US" sz="2800" dirty="0" smtClean="0"/>
-              <a:t> Am </a:t>
-            </a:r>
-            <a:r>
-              <a:rPr lang="en-US" sz="2800" dirty="0" err="1" smtClean="0"/>
-              <a:t>folosit</a:t>
-            </a:r>
-            <a:r>
-              <a:rPr lang="en-US" sz="2800" dirty="0" smtClean="0"/>
-              <a:t> </a:t>
-            </a:r>
-            <a:r>
-              <a:rPr lang="en-US" sz="2800" dirty="0" err="1" smtClean="0"/>
+              <a:rPr lang="en-US" sz="2800" dirty="0" err="1"/>
               <a:t>libraria</a:t>
             </a:r>
             <a:endParaRPr lang="en-US" sz="2800" dirty="0"/>
@@ -7589,45 +7718,40 @@
             </a:pPr>
             <a:r>
               <a:rPr lang="en-US" sz="2800" dirty="0"/>
+              <a:t>  </a:t>
+            </a:r>
+            <a:r>
+              <a:rPr lang="en-US" sz="2800" dirty="0" err="1"/>
+              <a:t>Jocul</a:t>
+            </a:r>
+            <a:r>
+              <a:rPr lang="en-US" sz="2800" dirty="0"/>
+              <a:t> are un </a:t>
+            </a:r>
+            <a:r>
+              <a:rPr lang="en-US" sz="2800" dirty="0" err="1"/>
+              <a:t>gameplay</a:t>
+            </a:r>
+            <a:r>
+              <a:rPr lang="en-US" sz="2800" dirty="0"/>
               <a:t> </a:t>
             </a:r>
             <a:r>
-              <a:rPr lang="en-US" sz="2800" dirty="0" smtClean="0"/>
-              <a:t> </a:t>
-            </a:r>
-            <a:r>
-              <a:rPr lang="en-US" sz="2800" dirty="0" err="1" smtClean="0"/>
-              <a:t>Jocul</a:t>
-            </a:r>
-            <a:r>
-              <a:rPr lang="en-US" sz="2800" dirty="0" smtClean="0"/>
-              <a:t> are un </a:t>
-            </a:r>
-            <a:r>
-              <a:rPr lang="en-US" sz="2800" dirty="0" err="1" smtClean="0"/>
-              <a:t>gameplay</a:t>
-            </a:r>
-            <a:r>
-              <a:rPr lang="en-US" sz="2800" dirty="0" smtClean="0"/>
-              <a:t> </a:t>
-            </a:r>
-            <a:r>
-              <a:rPr lang="en-US" sz="2800" dirty="0" err="1" smtClean="0"/>
+              <a:rPr lang="en-US" sz="2800" dirty="0" err="1"/>
               <a:t>asemanator</a:t>
             </a:r>
             <a:r>
-              <a:rPr lang="en-US" sz="2800" dirty="0" smtClean="0"/>
+              <a:rPr lang="en-US" sz="2800" dirty="0"/>
               <a:t> cu </a:t>
             </a:r>
             <a:r>
-              <a:rPr lang="en-US" sz="2800" dirty="0" err="1" smtClean="0"/>
+              <a:rPr lang="en-US" sz="2800" dirty="0" err="1"/>
               <a:t>cel</a:t>
             </a:r>
             <a:r>
-              <a:rPr lang="en-US" sz="2800" dirty="0" smtClean="0"/>
+              <a:rPr lang="en-US" sz="2800" dirty="0"/>
               <a:t> din Chrome Dino</a:t>
             </a:r>
-            <a:endParaRPr lang="en-US" sz="2800" dirty="0"/>
           </a:p>
         </p:txBody>
       </p:sp>
@@ -7766,13 +7890,6 @@
   <p:clrMapOvr>
     <a:masterClrMapping/>
   </p:clrMapOvr>
-  <p:timing>
-    <p:tnLst>
-      <p:par>
-        <p:cTn id="1" dur="indefinite" restart="never" nodeType="tmRoot"/>
-      </p:par>
-    </p:tnLst>
-  </p:timing>
 </p:sld>
 </file>
 
@@ -7809,27 +7926,27 @@
           <a:lstStyle/>
           <a:p>
             <a:r>
-              <a:rPr lang="en-US" dirty="0" smtClean="0"/>
+              <a:rPr lang="en-US" dirty="0"/>
               <a:t>Controller – </a:t>
             </a:r>
             <a:r>
-              <a:rPr lang="en-US" dirty="0" err="1" smtClean="0"/>
+              <a:rPr lang="en-US" dirty="0" err="1"/>
               <a:t>navigarea</a:t>
             </a:r>
             <a:r>
-              <a:rPr lang="en-US" dirty="0" smtClean="0"/>
+              <a:rPr lang="en-US" dirty="0"/>
               <a:t> </a:t>
             </a:r>
             <a:r>
-              <a:rPr lang="en-US" dirty="0" err="1" smtClean="0"/>
+              <a:rPr lang="en-US" dirty="0" err="1"/>
               <a:t>prin</a:t>
             </a:r>
             <a:r>
-              <a:rPr lang="en-US" dirty="0" smtClean="0"/>
+              <a:rPr lang="en-US" dirty="0"/>
               <a:t> </a:t>
             </a:r>
             <a:r>
-              <a:rPr lang="en-US" dirty="0" err="1" smtClean="0"/>
+              <a:rPr lang="en-US" dirty="0" err="1"/>
               <a:t>meniuri</a:t>
             </a:r>
             <a:endParaRPr lang="en-US" dirty="0"/>
@@ -7978,7 +8095,7 @@
           <a:lstStyle/>
           <a:p>
             <a:r>
-              <a:rPr lang="ro-RO" dirty="0" smtClean="0"/>
+              <a:rPr lang="ro-RO" dirty="0"/>
               <a:t>Controller –player movement</a:t>
             </a:r>
             <a:endParaRPr lang="en-US" dirty="0"/>
@@ -8006,8 +8123,16 @@
               <a:buNone/>
             </a:pPr>
             <a:r>
-              <a:rPr lang="ro-RO" sz="2800" dirty="0" smtClean="0"/>
-              <a:t>-  Deplasarea caracterului se face prin K_UP si K_DOWN, care au fost declarate la inceputul codului.</a:t>
+              <a:rPr lang="ro-RO" sz="2800" dirty="0"/>
+              <a:t>  </a:t>
+            </a:r>
+            <a:r>
+              <a:rPr lang="en-US" sz="2800" dirty="0"/>
+              <a:t>  </a:t>
+            </a:r>
+            <a:r>
+              <a:rPr lang="ro-RO" sz="2800" dirty="0"/>
+              <a:t>Deplasarea caracterului se face prin K_UP si K_DOWN, care au fost declarate la inceputul codului.</a:t>
             </a:r>
             <a:endParaRPr lang="en-US" sz="2800" dirty="0"/>
           </a:p>
@@ -8077,6 +8202,38 @@
             <a:tailEnd/>
           </a:ln>
           <a:effectLst/>
+        </p:spPr>
+      </p:pic>
+      <p:pic>
+        <p:nvPicPr>
+          <p:cNvPr id="6" name="Picture 19" descr="Meteor - Kostenlose natur-Icons">
+            <a:extLst>
+              <a:ext uri="{FF2B5EF4-FFF2-40B4-BE49-F238E27FC236}">
+                <a16:creationId xmlns:a16="http://schemas.microsoft.com/office/drawing/2014/main" id="{20A8AA34-B291-45EA-AB17-C7B767F43003}"/>
+              </a:ext>
+            </a:extLst>
+          </p:cNvPr>
+          <p:cNvPicPr>
+            <a:picLocks noChangeAspect="1" noChangeArrowheads="1"/>
+          </p:cNvPicPr>
+          <p:nvPr/>
+        </p:nvPicPr>
+        <p:blipFill>
+          <a:blip r:embed="rId4" cstate="print"/>
+          <a:srcRect/>
+          <a:stretch>
+            <a:fillRect/>
+          </a:stretch>
+        </p:blipFill>
+        <p:spPr bwMode="auto">
+          <a:xfrm rot="13437158">
+            <a:off x="265784" y="1679441"/>
+            <a:ext cx="382831" cy="382831"/>
+          </a:xfrm>
+          <a:prstGeom prst="rect">
+            <a:avLst/>
+          </a:prstGeom>
+          <a:noFill/>
         </p:spPr>
       </p:pic>
     </p:spTree>
@@ -8122,14 +8279,13 @@
           <a:lstStyle/>
           <a:p>
             <a:r>
-              <a:rPr lang="en-US" dirty="0" err="1" smtClean="0"/>
+              <a:rPr lang="en-US" dirty="0" err="1"/>
               <a:t>Caracterul</a:t>
             </a:r>
             <a:r>
-              <a:rPr lang="en-US" dirty="0" smtClean="0"/>
+              <a:rPr lang="en-US" dirty="0"/>
               <a:t> playable</a:t>
             </a:r>
-            <a:endParaRPr lang="en-US" dirty="0"/>
           </a:p>
         </p:txBody>
       </p:sp>
@@ -8155,59 +8311,59 @@
               <a:buChar char="-"/>
             </a:pPr>
             <a:r>
-              <a:rPr lang="en-US" dirty="0" err="1" smtClean="0"/>
+              <a:rPr lang="en-US" dirty="0" err="1"/>
               <a:t>Cel</a:t>
             </a:r>
             <a:r>
-              <a:rPr lang="en-US" dirty="0" smtClean="0"/>
+              <a:rPr lang="en-US" dirty="0"/>
               <a:t> </a:t>
             </a:r>
             <a:r>
-              <a:rPr lang="en-US" dirty="0" err="1" smtClean="0"/>
+              <a:rPr lang="en-US" dirty="0" err="1"/>
               <a:t>mai</a:t>
             </a:r>
             <a:r>
-              <a:rPr lang="en-US" dirty="0" smtClean="0"/>
+              <a:rPr lang="en-US" dirty="0"/>
               <a:t> important aspect al </a:t>
             </a:r>
             <a:r>
-              <a:rPr lang="en-US" dirty="0" err="1" smtClean="0"/>
+              <a:rPr lang="en-US" dirty="0" err="1"/>
               <a:t>definirii</a:t>
             </a:r>
             <a:r>
-              <a:rPr lang="en-US" dirty="0" smtClean="0"/>
+              <a:rPr lang="en-US" dirty="0"/>
               <a:t> </a:t>
             </a:r>
             <a:r>
-              <a:rPr lang="en-US" dirty="0" err="1" smtClean="0"/>
+              <a:rPr lang="en-US" dirty="0" err="1"/>
               <a:t>personajului</a:t>
             </a:r>
             <a:r>
-              <a:rPr lang="en-US" dirty="0" smtClean="0"/>
+              <a:rPr lang="en-US" dirty="0"/>
               <a:t> </a:t>
             </a:r>
             <a:r>
-              <a:rPr lang="en-US" dirty="0" err="1" smtClean="0"/>
+              <a:rPr lang="en-US" dirty="0" err="1"/>
               <a:t>este</a:t>
             </a:r>
             <a:r>
-              <a:rPr lang="en-US" dirty="0" smtClean="0"/>
+              <a:rPr lang="en-US" dirty="0"/>
               <a:t> </a:t>
             </a:r>
             <a:r>
-              <a:rPr lang="en-US" dirty="0" err="1" smtClean="0"/>
+              <a:rPr lang="en-US" dirty="0" err="1"/>
               <a:t>starea</a:t>
             </a:r>
             <a:r>
-              <a:rPr lang="en-US" dirty="0" smtClean="0"/>
+              <a:rPr lang="en-US" dirty="0"/>
               <a:t> </a:t>
             </a:r>
             <a:r>
-              <a:rPr lang="en-US" dirty="0" err="1" smtClean="0"/>
+              <a:rPr lang="en-US" dirty="0" err="1"/>
               <a:t>sa</a:t>
             </a:r>
             <a:r>
-              <a:rPr lang="en-US" dirty="0" smtClean="0"/>
+              <a:rPr lang="en-US" dirty="0"/>
               <a:t> – run, jump, duck. </a:t>
             </a:r>
           </a:p>
@@ -8217,95 +8373,87 @@
               <a:buChar char="-"/>
             </a:pPr>
             <a:r>
-              <a:rPr lang="en-US" dirty="0" smtClean="0"/>
+              <a:rPr lang="en-US" dirty="0"/>
               <a:t>In </a:t>
             </a:r>
             <a:r>
-              <a:rPr lang="en-US" dirty="0" err="1" smtClean="0"/>
+              <a:rPr lang="en-US" dirty="0" err="1"/>
               <a:t>functie</a:t>
             </a:r>
             <a:r>
-              <a:rPr lang="en-US" dirty="0" smtClean="0"/>
+              <a:rPr lang="en-US" dirty="0"/>
               <a:t> de </a:t>
             </a:r>
             <a:r>
-              <a:rPr lang="en-US" dirty="0" err="1" smtClean="0"/>
+              <a:rPr lang="en-US" dirty="0" err="1"/>
               <a:t>actiunea</a:t>
             </a:r>
             <a:r>
-              <a:rPr lang="en-US" dirty="0" smtClean="0"/>
+              <a:rPr lang="en-US" dirty="0"/>
               <a:t> </a:t>
             </a:r>
             <a:r>
-              <a:rPr lang="en-US" dirty="0" err="1" smtClean="0"/>
+              <a:rPr lang="en-US" dirty="0" err="1"/>
               <a:t>pe</a:t>
             </a:r>
             <a:r>
-              <a:rPr lang="en-US" dirty="0" smtClean="0"/>
+              <a:rPr lang="en-US" dirty="0"/>
               <a:t> care o face, </a:t>
             </a:r>
             <a:r>
-              <a:rPr lang="en-US" dirty="0" err="1" smtClean="0"/>
+              <a:rPr lang="en-US" dirty="0" err="1"/>
               <a:t>acesta</a:t>
             </a:r>
             <a:r>
-              <a:rPr lang="en-US" dirty="0" smtClean="0"/>
+              <a:rPr lang="en-US" dirty="0"/>
               <a:t> are </a:t>
             </a:r>
             <a:r>
-              <a:rPr lang="en-US" dirty="0" err="1" smtClean="0"/>
+              <a:rPr lang="en-US" dirty="0" err="1"/>
               <a:t>animatii</a:t>
             </a:r>
             <a:r>
-              <a:rPr lang="en-US" dirty="0" smtClean="0"/>
+              <a:rPr lang="en-US" dirty="0"/>
               <a:t> </a:t>
             </a:r>
             <a:r>
-              <a:rPr lang="en-US" dirty="0" err="1" smtClean="0"/>
+              <a:rPr lang="en-US" dirty="0" err="1"/>
               <a:t>diferite</a:t>
             </a:r>
             <a:r>
               <a:rPr lang="en-US" dirty="0"/>
+              <a:t> (care </a:t>
+            </a:r>
+            <a:r>
+              <a:rPr lang="en-US" dirty="0" err="1"/>
+              <a:t>sunt</a:t>
+            </a:r>
+            <a:r>
+              <a:rPr lang="en-US" dirty="0"/>
+              <a:t> iterate </a:t>
+            </a:r>
+            <a:r>
+              <a:rPr lang="en-US" dirty="0" err="1"/>
+              <a:t>prin</a:t>
+            </a:r>
+            <a:r>
+              <a:rPr lang="en-US" dirty="0"/>
               <a:t> </a:t>
             </a:r>
             <a:r>
-              <a:rPr lang="en-US" dirty="0" smtClean="0"/>
-              <a:t>(care </a:t>
-            </a:r>
-            <a:r>
-              <a:rPr lang="en-US" dirty="0" err="1" smtClean="0"/>
-              <a:t>sunt</a:t>
+              <a:rPr lang="en-US" dirty="0" err="1"/>
+              <a:t>intermediul</a:t>
             </a:r>
             <a:r>
               <a:rPr lang="en-US" dirty="0"/>
               <a:t> </a:t>
             </a:r>
             <a:r>
-              <a:rPr lang="en-US" dirty="0" smtClean="0"/>
-              <a:t>iterate </a:t>
-            </a:r>
-            <a:r>
-              <a:rPr lang="en-US" dirty="0" err="1" smtClean="0"/>
-              <a:t>prin</a:t>
-            </a:r>
-            <a:r>
-              <a:rPr lang="en-US" dirty="0" smtClean="0"/>
-              <a:t> </a:t>
-            </a:r>
-            <a:r>
-              <a:rPr lang="en-US" dirty="0" err="1" smtClean="0"/>
-              <a:t>intermediul</a:t>
-            </a:r>
-            <a:r>
-              <a:rPr lang="en-US" dirty="0" smtClean="0"/>
-              <a:t> </a:t>
-            </a:r>
-            <a:r>
-              <a:rPr lang="en-US" dirty="0" err="1" smtClean="0"/>
+              <a:rPr lang="en-US" dirty="0" err="1"/>
               <a:t>step_index</a:t>
             </a:r>
             <a:r>
-              <a:rPr lang="en-US" dirty="0" smtClean="0"/>
+              <a:rPr lang="en-US" dirty="0"/>
               <a:t>)</a:t>
             </a:r>
           </a:p>
@@ -8315,38 +8463,38 @@
               <a:buChar char="-"/>
             </a:pPr>
             <a:r>
-              <a:rPr lang="en-US" dirty="0" smtClean="0"/>
+              <a:rPr lang="en-US" dirty="0"/>
               <a:t>Are collision box </a:t>
             </a:r>
             <a:r>
-              <a:rPr lang="en-US" dirty="0" err="1" smtClean="0"/>
+              <a:rPr lang="en-US" dirty="0" err="1"/>
               <a:t>pentru</a:t>
             </a:r>
             <a:r>
-              <a:rPr lang="en-US" dirty="0" smtClean="0"/>
+              <a:rPr lang="en-US" dirty="0"/>
               <a:t> a </a:t>
             </a:r>
             <a:r>
-              <a:rPr lang="en-US" dirty="0" err="1" smtClean="0"/>
+              <a:rPr lang="en-US" dirty="0" err="1"/>
               <a:t>putea</a:t>
             </a:r>
             <a:r>
-              <a:rPr lang="en-US" dirty="0" smtClean="0"/>
+              <a:rPr lang="en-US" dirty="0"/>
               <a:t> </a:t>
             </a:r>
             <a:r>
-              <a:rPr lang="en-US" dirty="0" err="1" smtClean="0"/>
+              <a:rPr lang="en-US" dirty="0" err="1"/>
               <a:t>interactiona</a:t>
             </a:r>
             <a:r>
-              <a:rPr lang="en-US" dirty="0" smtClean="0"/>
+              <a:rPr lang="en-US" dirty="0"/>
               <a:t> cu </a:t>
             </a:r>
             <a:r>
-              <a:rPr lang="en-US" dirty="0" err="1" smtClean="0"/>
+              <a:rPr lang="en-US" dirty="0" err="1"/>
               <a:t>obstacolele</a:t>
             </a:r>
-            <a:endParaRPr lang="en-US" dirty="0" smtClean="0"/>
+            <a:endParaRPr lang="en-US" dirty="0"/>
           </a:p>
           <a:p>
             <a:pPr>
@@ -8354,135 +8502,135 @@
               <a:buChar char="-"/>
             </a:pPr>
             <a:r>
-              <a:rPr lang="en-US" dirty="0" smtClean="0"/>
+              <a:rPr lang="en-US" dirty="0"/>
               <a:t>Este </a:t>
             </a:r>
             <a:r>
-              <a:rPr lang="en-US" dirty="0" err="1" smtClean="0"/>
+              <a:rPr lang="en-US" dirty="0" err="1"/>
               <a:t>pozitionat</a:t>
             </a:r>
             <a:r>
-              <a:rPr lang="en-US" dirty="0" smtClean="0"/>
+              <a:rPr lang="en-US" dirty="0"/>
               <a:t> in </a:t>
             </a:r>
             <a:r>
-              <a:rPr lang="en-US" dirty="0" err="1" smtClean="0"/>
+              <a:rPr lang="en-US" dirty="0" err="1"/>
               <a:t>stanga</a:t>
             </a:r>
             <a:r>
-              <a:rPr lang="en-US" dirty="0" smtClean="0"/>
+              <a:rPr lang="en-US" dirty="0"/>
               <a:t>, </a:t>
             </a:r>
             <a:r>
-              <a:rPr lang="en-US" dirty="0" err="1" smtClean="0"/>
+              <a:rPr lang="en-US" dirty="0" err="1"/>
               <a:t>unde</a:t>
             </a:r>
             <a:r>
-              <a:rPr lang="en-US" dirty="0" smtClean="0"/>
+              <a:rPr lang="en-US" dirty="0"/>
               <a:t> </a:t>
             </a:r>
             <a:r>
-              <a:rPr lang="en-US" dirty="0" err="1" smtClean="0"/>
+              <a:rPr lang="en-US" dirty="0" err="1"/>
               <a:t>ramane</a:t>
             </a:r>
             <a:r>
-              <a:rPr lang="en-US" dirty="0" smtClean="0"/>
+              <a:rPr lang="en-US" dirty="0"/>
               <a:t> </a:t>
             </a:r>
             <a:r>
-              <a:rPr lang="en-US" dirty="0" err="1" smtClean="0"/>
+              <a:rPr lang="en-US" dirty="0" err="1"/>
               <a:t>pe</a:t>
             </a:r>
             <a:r>
-              <a:rPr lang="en-US" dirty="0" smtClean="0"/>
+              <a:rPr lang="en-US" dirty="0"/>
               <a:t> tot </a:t>
             </a:r>
             <a:r>
-              <a:rPr lang="en-US" dirty="0" err="1" smtClean="0"/>
+              <a:rPr lang="en-US" dirty="0" err="1"/>
               <a:t>parcursul</a:t>
             </a:r>
             <a:r>
-              <a:rPr lang="en-US" dirty="0" smtClean="0"/>
+              <a:rPr lang="en-US" dirty="0"/>
               <a:t> </a:t>
             </a:r>
             <a:r>
-              <a:rPr lang="en-US" dirty="0" err="1" smtClean="0"/>
+              <a:rPr lang="en-US" dirty="0" err="1"/>
               <a:t>jocului</a:t>
             </a:r>
             <a:r>
-              <a:rPr lang="en-US" dirty="0" smtClean="0"/>
+              <a:rPr lang="en-US" dirty="0"/>
               <a:t>. Se </a:t>
             </a:r>
             <a:r>
-              <a:rPr lang="en-US" dirty="0" err="1" smtClean="0"/>
+              <a:rPr lang="en-US" dirty="0" err="1"/>
               <a:t>poate</a:t>
             </a:r>
             <a:r>
-              <a:rPr lang="en-US" dirty="0" smtClean="0"/>
+              <a:rPr lang="en-US" dirty="0"/>
               <a:t> </a:t>
             </a:r>
             <a:r>
-              <a:rPr lang="en-US" dirty="0" err="1" smtClean="0"/>
+              <a:rPr lang="en-US" dirty="0" err="1"/>
               <a:t>modifica</a:t>
             </a:r>
             <a:r>
-              <a:rPr lang="en-US" dirty="0" smtClean="0"/>
+              <a:rPr lang="en-US" dirty="0"/>
               <a:t> </a:t>
             </a:r>
             <a:r>
-              <a:rPr lang="en-US" dirty="0" err="1" smtClean="0"/>
+              <a:rPr lang="en-US" dirty="0" err="1"/>
               <a:t>decat</a:t>
             </a:r>
             <a:r>
-              <a:rPr lang="en-US" dirty="0" smtClean="0"/>
+              <a:rPr lang="en-US" dirty="0"/>
               <a:t> </a:t>
             </a:r>
             <a:r>
-              <a:rPr lang="en-US" dirty="0" err="1" smtClean="0"/>
+              <a:rPr lang="en-US" dirty="0" err="1"/>
               <a:t>inaltimea</a:t>
             </a:r>
             <a:r>
-              <a:rPr lang="en-US" dirty="0" smtClean="0"/>
+              <a:rPr lang="en-US" dirty="0"/>
               <a:t> </a:t>
             </a:r>
             <a:r>
-              <a:rPr lang="en-US" dirty="0" err="1" smtClean="0"/>
+              <a:rPr lang="en-US" dirty="0" err="1"/>
               <a:t>sa</a:t>
             </a:r>
             <a:r>
-              <a:rPr lang="en-US" dirty="0" smtClean="0"/>
+              <a:rPr lang="en-US" dirty="0"/>
               <a:t> </a:t>
             </a:r>
             <a:r>
-              <a:rPr lang="en-US" dirty="0" err="1" smtClean="0"/>
+              <a:rPr lang="en-US" dirty="0" err="1"/>
               <a:t>atunci</a:t>
             </a:r>
             <a:r>
-              <a:rPr lang="en-US" dirty="0" smtClean="0"/>
+              <a:rPr lang="en-US" dirty="0"/>
               <a:t> </a:t>
             </a:r>
             <a:r>
-              <a:rPr lang="en-US" dirty="0" err="1" smtClean="0"/>
+              <a:rPr lang="en-US" dirty="0" err="1"/>
               <a:t>cand</a:t>
             </a:r>
             <a:r>
-              <a:rPr lang="en-US" dirty="0" smtClean="0"/>
+              <a:rPr lang="en-US" dirty="0"/>
               <a:t> </a:t>
             </a:r>
             <a:r>
-              <a:rPr lang="en-US" dirty="0" err="1" smtClean="0"/>
+              <a:rPr lang="en-US" dirty="0" err="1"/>
               <a:t>este</a:t>
             </a:r>
             <a:r>
-              <a:rPr lang="en-US" dirty="0" smtClean="0"/>
+              <a:rPr lang="en-US" dirty="0"/>
               <a:t> in </a:t>
             </a:r>
             <a:r>
-              <a:rPr lang="en-US" dirty="0" err="1" smtClean="0"/>
+              <a:rPr lang="en-US" dirty="0" err="1"/>
               <a:t>starea</a:t>
             </a:r>
             <a:r>
-              <a:rPr lang="en-US" dirty="0" smtClean="0"/>
+              <a:rPr lang="en-US" dirty="0"/>
               <a:t> jump.</a:t>
             </a:r>
           </a:p>
@@ -8597,13 +8745,6 @@
   <p:clrMapOvr>
     <a:masterClrMapping/>
   </p:clrMapOvr>
-  <p:timing>
-    <p:tnLst>
-      <p:par>
-        <p:cTn id="1" dur="indefinite" restart="never" nodeType="tmRoot"/>
-      </p:par>
-    </p:tnLst>
-  </p:timing>
 </p:sld>
 </file>
 
@@ -8642,14 +8783,13 @@
           <a:lstStyle/>
           <a:p>
             <a:r>
-              <a:rPr lang="en-US" dirty="0" err="1" smtClean="0"/>
+              <a:rPr lang="en-US" dirty="0" err="1"/>
               <a:t>Caracterul</a:t>
             </a:r>
             <a:r>
-              <a:rPr lang="en-US" dirty="0" smtClean="0"/>
+              <a:rPr lang="en-US" dirty="0"/>
               <a:t> playable</a:t>
             </a:r>
-            <a:endParaRPr lang="en-US" dirty="0"/>
           </a:p>
         </p:txBody>
       </p:sp>
@@ -8675,27 +8815,27 @@
               <a:buChar char="-"/>
             </a:pPr>
             <a:r>
-              <a:rPr lang="en-US" dirty="0" err="1" smtClean="0"/>
+              <a:rPr lang="en-US" dirty="0" err="1"/>
               <a:t>Animatiile</a:t>
             </a:r>
             <a:r>
-              <a:rPr lang="en-US" dirty="0" smtClean="0"/>
+              <a:rPr lang="en-US" dirty="0"/>
               <a:t> </a:t>
             </a:r>
             <a:r>
-              <a:rPr lang="en-US" dirty="0" err="1" smtClean="0"/>
+              <a:rPr lang="en-US" dirty="0" err="1"/>
               <a:t>tuturor</a:t>
             </a:r>
             <a:r>
-              <a:rPr lang="en-US" dirty="0" smtClean="0"/>
+              <a:rPr lang="en-US" dirty="0"/>
               <a:t> </a:t>
             </a:r>
             <a:r>
-              <a:rPr lang="en-US" dirty="0" err="1" smtClean="0"/>
+              <a:rPr lang="en-US" dirty="0" err="1"/>
               <a:t>caracterelor</a:t>
             </a:r>
             <a:r>
-              <a:rPr lang="en-US" dirty="0" smtClean="0"/>
+              <a:rPr lang="en-US" dirty="0"/>
               <a:t>:</a:t>
             </a:r>
           </a:p>
@@ -8854,10 +8994,9 @@
           <a:lstStyle/>
           <a:p>
             <a:r>
-              <a:rPr lang="en-US" b="1" dirty="0" smtClean="0"/>
+              <a:rPr lang="en-US" b="1" dirty="0"/>
               <a:t>run1</a:t>
             </a:r>
-            <a:endParaRPr lang="en-US" b="1" dirty="0"/>
           </a:p>
         </p:txBody>
       </p:sp>
@@ -8884,10 +9023,9 @@
           <a:lstStyle/>
           <a:p>
             <a:r>
-              <a:rPr lang="en-US" b="1" dirty="0" smtClean="0"/>
+              <a:rPr lang="en-US" b="1" dirty="0"/>
               <a:t>run2</a:t>
             </a:r>
-            <a:endParaRPr lang="en-US" b="1" dirty="0"/>
           </a:p>
         </p:txBody>
       </p:sp>
@@ -8914,10 +9052,9 @@
           <a:lstStyle/>
           <a:p>
             <a:r>
-              <a:rPr lang="en-US" b="1" dirty="0" smtClean="0"/>
+              <a:rPr lang="en-US" b="1" dirty="0"/>
               <a:t>jump</a:t>
             </a:r>
-            <a:endParaRPr lang="en-US" b="1" dirty="0"/>
           </a:p>
         </p:txBody>
       </p:sp>
@@ -8944,10 +9081,9 @@
           <a:lstStyle/>
           <a:p>
             <a:r>
-              <a:rPr lang="en-US" b="1" dirty="0" smtClean="0"/>
+              <a:rPr lang="en-US" b="1" dirty="0"/>
               <a:t>duck1</a:t>
             </a:r>
-            <a:endParaRPr lang="en-US" b="1" dirty="0"/>
           </a:p>
         </p:txBody>
       </p:sp>
@@ -8974,10 +9110,9 @@
           <a:lstStyle/>
           <a:p>
             <a:r>
-              <a:rPr lang="en-US" b="1" dirty="0" smtClean="0"/>
+              <a:rPr lang="en-US" b="1" dirty="0"/>
               <a:t>duck2</a:t>
             </a:r>
-            <a:endParaRPr lang="en-US" b="1" dirty="0"/>
           </a:p>
         </p:txBody>
       </p:sp>
@@ -9004,10 +9139,9 @@
           <a:lstStyle/>
           <a:p>
             <a:r>
-              <a:rPr lang="en-US" b="1" i="1" dirty="0" smtClean="0"/>
+              <a:rPr lang="en-US" b="1" i="1" dirty="0"/>
               <a:t>Frog</a:t>
             </a:r>
-            <a:endParaRPr lang="en-US" b="1" i="1" dirty="0"/>
           </a:p>
         </p:txBody>
       </p:sp>
@@ -9164,10 +9298,9 @@
           <a:lstStyle/>
           <a:p>
             <a:r>
-              <a:rPr lang="en-US" b="1" i="1" dirty="0" smtClean="0"/>
+              <a:rPr lang="en-US" b="1" i="1" dirty="0"/>
               <a:t>Parrot</a:t>
             </a:r>
-            <a:endParaRPr lang="en-US" b="1" i="1" dirty="0"/>
           </a:p>
         </p:txBody>
       </p:sp>
@@ -9324,10 +9457,9 @@
           <a:lstStyle/>
           <a:p>
             <a:r>
-              <a:rPr lang="en-US" b="1" i="1" dirty="0" smtClean="0"/>
+              <a:rPr lang="en-US" b="1" i="1" dirty="0"/>
               <a:t>Pig</a:t>
             </a:r>
-            <a:endParaRPr lang="en-US" b="1" i="1" dirty="0"/>
           </a:p>
         </p:txBody>
       </p:sp>
@@ -9484,10 +9616,9 @@
           <a:lstStyle/>
           <a:p>
             <a:r>
-              <a:rPr lang="en-US" b="1" i="1" dirty="0" smtClean="0"/>
+              <a:rPr lang="en-US" b="1" i="1" dirty="0"/>
               <a:t>Sheep</a:t>
             </a:r>
-            <a:endParaRPr lang="en-US" b="1" i="1" dirty="0"/>
           </a:p>
         </p:txBody>
       </p:sp>
@@ -9522,13 +9653,6 @@
   <p:clrMapOvr>
     <a:masterClrMapping/>
   </p:clrMapOvr>
-  <p:timing>
-    <p:tnLst>
-      <p:par>
-        <p:cTn id="1" dur="indefinite" restart="never" nodeType="tmRoot"/>
-      </p:par>
-    </p:tnLst>
-  </p:timing>
 </p:sld>
 </file>
 
@@ -9567,33 +9691,24 @@
           <a:lstStyle/>
           <a:p>
             <a:pPr lvl="0"/>
-            <a:r>
-              <a:rPr lang="en-US" dirty="0" smtClean="0"/>
-              <a:t/>
-            </a:r>
             <a:br>
-              <a:rPr lang="en-US" dirty="0" smtClean="0"/>
+              <a:rPr lang="en-US" dirty="0"/>
             </a:br>
             <a:r>
-              <a:rPr lang="en-US" dirty="0" err="1" smtClean="0"/>
+              <a:rPr lang="en-US" dirty="0" err="1"/>
               <a:t>Caracterul</a:t>
             </a:r>
             <a:r>
-              <a:rPr lang="en-US" dirty="0" smtClean="0"/>
+              <a:rPr lang="en-US" dirty="0"/>
+              <a:t> playable – class Dinosaur</a:t>
+            </a:r>
+            <a:br>
+              <a:rPr lang="en-US" dirty="0"/>
+            </a:br>
+            <a:r>
+              <a:rPr lang="en-US" dirty="0"/>
               <a:t> </a:t>
             </a:r>
-            <a:r>
-              <a:rPr lang="en-US" dirty="0"/>
-              <a:t>playable – class Dinosaur</a:t>
-            </a:r>
-            <a:br>
-              <a:rPr lang="en-US" dirty="0"/>
-            </a:br>
-            <a:r>
-              <a:rPr lang="en-US" dirty="0" smtClean="0"/>
-              <a:t> </a:t>
-            </a:r>
-            <a:endParaRPr lang="en-US" dirty="0"/>
           </a:p>
         </p:txBody>
       </p:sp>
@@ -9616,10 +9731,9 @@
               <a:buNone/>
             </a:pPr>
             <a:r>
-              <a:rPr lang="en-US" dirty="0" smtClean="0"/>
+              <a:rPr lang="en-US" dirty="0"/>
               <a:t> </a:t>
             </a:r>
-            <a:endParaRPr lang="en-US" dirty="0"/>
           </a:p>
         </p:txBody>
       </p:sp>
@@ -9717,7 +9831,7 @@
                 <a:spcPct val="0"/>
               </a:spcBef>
             </a:pPr>
-            <a:endParaRPr kumimoji="0" lang="en-US" sz="4400" b="0" i="0" u="none" strike="noStrike" kern="1200" cap="none" spc="0" normalizeH="0" baseline="0" noProof="0" dirty="0" smtClean="0">
+            <a:endParaRPr kumimoji="0" lang="en-US" sz="4400" b="0" i="0" u="none" strike="noStrike" kern="1200" cap="none" spc="0" normalizeH="0" baseline="0" noProof="0" dirty="0">
               <a:ln>
                 <a:noFill/>
               </a:ln>
@@ -9739,13 +9853,6 @@
   <p:clrMapOvr>
     <a:masterClrMapping/>
   </p:clrMapOvr>
-  <p:timing>
-    <p:tnLst>
-      <p:par>
-        <p:cTn id="1" dur="indefinite" restart="never" nodeType="tmRoot"/>
-      </p:par>
-    </p:tnLst>
-  </p:timing>
 </p:sld>
 </file>
 
@@ -9782,7 +9889,7 @@
           <a:lstStyle/>
           <a:p>
             <a:r>
-              <a:rPr lang="en-US" dirty="0" err="1" smtClean="0"/>
+              <a:rPr lang="en-US" dirty="0" err="1"/>
               <a:t>Obstacole</a:t>
             </a:r>
             <a:endParaRPr lang="en-US" dirty="0"/>
@@ -9811,27 +9918,27 @@
               <a:buChar char="-"/>
             </a:pPr>
             <a:r>
-              <a:rPr lang="en-US" sz="2800" dirty="0" err="1" smtClean="0"/>
+              <a:rPr lang="en-US" sz="2800" dirty="0" err="1"/>
               <a:t>Sunt</a:t>
             </a:r>
             <a:r>
-              <a:rPr lang="en-US" sz="2800" dirty="0" smtClean="0"/>
+              <a:rPr lang="en-US" sz="2800" dirty="0"/>
               <a:t> de 3 </a:t>
             </a:r>
             <a:r>
-              <a:rPr lang="en-US" sz="2800" dirty="0" err="1" smtClean="0"/>
+              <a:rPr lang="en-US" sz="2800" dirty="0" err="1"/>
               <a:t>tipuri</a:t>
             </a:r>
             <a:r>
-              <a:rPr lang="en-US" sz="2800" dirty="0" smtClean="0"/>
+              <a:rPr lang="en-US" sz="2800" dirty="0"/>
               <a:t>: rock, crystal </a:t>
             </a:r>
             <a:r>
-              <a:rPr lang="en-US" sz="2800" dirty="0" err="1" smtClean="0"/>
+              <a:rPr lang="en-US" sz="2800" dirty="0" err="1"/>
               <a:t>si</a:t>
             </a:r>
             <a:r>
-              <a:rPr lang="en-US" sz="2800" dirty="0" smtClean="0"/>
+              <a:rPr lang="en-US" sz="2800" dirty="0"/>
               <a:t> bird</a:t>
             </a:r>
           </a:p>
@@ -9841,19 +9948,19 @@
               <a:buChar char="-"/>
             </a:pPr>
             <a:r>
-              <a:rPr lang="en-US" sz="2800" dirty="0" err="1" smtClean="0"/>
+              <a:rPr lang="en-US" sz="2800" dirty="0" err="1"/>
               <a:t>Toate</a:t>
             </a:r>
             <a:r>
-              <a:rPr lang="en-US" sz="2800" dirty="0" smtClean="0"/>
+              <a:rPr lang="en-US" sz="2800" dirty="0"/>
               <a:t> </a:t>
             </a:r>
             <a:r>
-              <a:rPr lang="en-US" sz="2800" dirty="0" err="1" smtClean="0"/>
+              <a:rPr lang="en-US" sz="2800" dirty="0" err="1"/>
               <a:t>obstacolele</a:t>
             </a:r>
             <a:r>
-              <a:rPr lang="en-US" sz="2800" dirty="0" smtClean="0"/>
+              <a:rPr lang="en-US" sz="2800" dirty="0"/>
               <a:t> au collision box</a:t>
             </a:r>
           </a:p>
@@ -9863,43 +9970,43 @@
               <a:buChar char="-"/>
             </a:pPr>
             <a:r>
-              <a:rPr lang="en-US" sz="2800" dirty="0" err="1" smtClean="0"/>
+              <a:rPr lang="en-US" sz="2800" dirty="0" err="1"/>
               <a:t>Imaginile</a:t>
             </a:r>
             <a:r>
-              <a:rPr lang="en-US" sz="2800" dirty="0" smtClean="0"/>
+              <a:rPr lang="en-US" sz="2800" dirty="0"/>
               <a:t> </a:t>
             </a:r>
             <a:r>
-              <a:rPr lang="en-US" sz="2800" dirty="0" err="1" smtClean="0"/>
+              <a:rPr lang="en-US" sz="2800" dirty="0" err="1"/>
               <a:t>pentru</a:t>
             </a:r>
             <a:r>
-              <a:rPr lang="en-US" sz="2800" dirty="0" smtClean="0"/>
+              <a:rPr lang="en-US" sz="2800" dirty="0"/>
               <a:t> rock </a:t>
             </a:r>
             <a:r>
-              <a:rPr lang="en-US" sz="2800" dirty="0" err="1" smtClean="0"/>
+              <a:rPr lang="en-US" sz="2800" dirty="0" err="1"/>
               <a:t>si</a:t>
             </a:r>
             <a:r>
-              <a:rPr lang="en-US" sz="2800" dirty="0" smtClean="0"/>
+              <a:rPr lang="en-US" sz="2800" dirty="0"/>
               <a:t> crystal </a:t>
             </a:r>
             <a:r>
-              <a:rPr lang="en-US" sz="2800" dirty="0" err="1" smtClean="0"/>
+              <a:rPr lang="en-US" sz="2800" dirty="0" err="1"/>
               <a:t>sunt</a:t>
             </a:r>
             <a:r>
-              <a:rPr lang="en-US" sz="2800" dirty="0" smtClean="0"/>
+              <a:rPr lang="en-US" sz="2800" dirty="0"/>
               <a:t> </a:t>
             </a:r>
             <a:r>
-              <a:rPr lang="en-US" sz="2800" dirty="0" err="1" smtClean="0"/>
+              <a:rPr lang="en-US" sz="2800" dirty="0" err="1"/>
               <a:t>alese</a:t>
             </a:r>
             <a:r>
-              <a:rPr lang="en-US" sz="2800" dirty="0" smtClean="0"/>
+              <a:rPr lang="en-US" sz="2800" dirty="0"/>
               <a:t> random: </a:t>
             </a:r>
             <a:r>
@@ -9929,52 +10036,48 @@
               <a:buChar char="-"/>
             </a:pPr>
             <a:r>
-              <a:rPr lang="en-US" sz="2800" dirty="0" smtClean="0"/>
+              <a:rPr lang="en-US" sz="2800" dirty="0"/>
               <a:t>Bird are 2 </a:t>
             </a:r>
             <a:r>
-              <a:rPr lang="en-US" sz="2800" dirty="0" err="1" smtClean="0"/>
+              <a:rPr lang="en-US" sz="2800" dirty="0" err="1"/>
               <a:t>imagini</a:t>
             </a:r>
             <a:r>
-              <a:rPr lang="en-US" sz="2800" dirty="0" smtClean="0"/>
+              <a:rPr lang="en-US" sz="2800" dirty="0"/>
               <a:t> care </a:t>
             </a:r>
             <a:r>
-              <a:rPr lang="en-US" sz="2800" dirty="0" err="1" smtClean="0"/>
+              <a:rPr lang="en-US" sz="2800" dirty="0" err="1"/>
               <a:t>alterneaza</a:t>
             </a:r>
             <a:r>
-              <a:rPr lang="en-US" sz="2800" dirty="0" smtClean="0"/>
+              <a:rPr lang="en-US" sz="2800" dirty="0"/>
               <a:t> </a:t>
             </a:r>
             <a:r>
-              <a:rPr lang="en-US" sz="2800" dirty="0" err="1" smtClean="0"/>
+              <a:rPr lang="en-US" sz="2800" dirty="0" err="1"/>
               <a:t>prin</a:t>
             </a:r>
             <a:r>
-              <a:rPr lang="en-US" sz="2800" dirty="0" smtClean="0"/>
+              <a:rPr lang="en-US" sz="2800" dirty="0"/>
               <a:t> </a:t>
             </a:r>
             <a:r>
-              <a:rPr lang="en-US" sz="2800" dirty="0" err="1" smtClean="0"/>
+              <a:rPr lang="en-US" sz="2800" dirty="0" err="1"/>
               <a:t>intermediul</a:t>
             </a:r>
             <a:r>
-              <a:rPr lang="en-US" sz="2800" dirty="0" smtClean="0"/>
+              <a:rPr lang="en-US" sz="2800" dirty="0"/>
               <a:t> index-</a:t>
             </a:r>
             <a:r>
-              <a:rPr lang="en-US" sz="2800" dirty="0" err="1" smtClean="0"/>
+              <a:rPr lang="en-US" sz="2800" dirty="0" err="1"/>
               <a:t>ului</a:t>
             </a:r>
             <a:r>
-              <a:rPr lang="en-US" sz="2800" dirty="0" smtClean="0"/>
-              <a:t>: </a:t>
-            </a:r>
-            <a:r>
               <a:rPr lang="en-US" sz="2800" dirty="0"/>
-              <a:t> </a:t>
+              <a:t>:  </a:t>
             </a:r>
             <a:r>
               <a:rPr lang="en-US" sz="2800" i="1" dirty="0" err="1"/>
@@ -10015,95 +10118,95 @@
               <a:buChar char="-"/>
             </a:pPr>
             <a:r>
-              <a:rPr lang="en-US" sz="2800" dirty="0" err="1" smtClean="0"/>
+              <a:rPr lang="en-US" sz="2800" dirty="0" err="1"/>
               <a:t>Obstacolele</a:t>
             </a:r>
             <a:r>
-              <a:rPr lang="en-US" sz="2800" dirty="0" smtClean="0"/>
+              <a:rPr lang="en-US" sz="2800" dirty="0"/>
               <a:t> se </a:t>
             </a:r>
             <a:r>
-              <a:rPr lang="en-US" sz="2800" dirty="0" err="1" smtClean="0"/>
+              <a:rPr lang="en-US" sz="2800" dirty="0" err="1"/>
               <a:t>misca</a:t>
             </a:r>
             <a:r>
-              <a:rPr lang="en-US" sz="2800" dirty="0" smtClean="0"/>
+              <a:rPr lang="en-US" sz="2800" dirty="0"/>
               <a:t> constant </a:t>
             </a:r>
             <a:r>
-              <a:rPr lang="en-US" sz="2800" dirty="0" err="1" smtClean="0"/>
+              <a:rPr lang="en-US" sz="2800" dirty="0" err="1"/>
               <a:t>spre</a:t>
             </a:r>
             <a:r>
-              <a:rPr lang="en-US" sz="2800" dirty="0" smtClean="0"/>
+              <a:rPr lang="en-US" sz="2800" dirty="0"/>
               <a:t> </a:t>
             </a:r>
             <a:r>
-              <a:rPr lang="en-US" sz="2800" dirty="0" err="1" smtClean="0"/>
+              <a:rPr lang="en-US" sz="2800" dirty="0" err="1"/>
               <a:t>stanga</a:t>
             </a:r>
             <a:r>
-              <a:rPr lang="en-US" sz="2800" dirty="0" smtClean="0"/>
+              <a:rPr lang="en-US" sz="2800" dirty="0"/>
               <a:t>, </a:t>
             </a:r>
             <a:r>
-              <a:rPr lang="en-US" sz="2800" dirty="0" err="1" smtClean="0"/>
+              <a:rPr lang="en-US" sz="2800" dirty="0" err="1"/>
               <a:t>iar</a:t>
             </a:r>
             <a:r>
-              <a:rPr lang="en-US" sz="2800" dirty="0" smtClean="0"/>
+              <a:rPr lang="en-US" sz="2800" dirty="0"/>
               <a:t>, </a:t>
             </a:r>
             <a:r>
-              <a:rPr lang="en-US" sz="2800" dirty="0" err="1" smtClean="0"/>
+              <a:rPr lang="en-US" sz="2800" dirty="0" err="1"/>
               <a:t>atunci</a:t>
             </a:r>
             <a:r>
-              <a:rPr lang="en-US" sz="2800" dirty="0" smtClean="0"/>
+              <a:rPr lang="en-US" sz="2800" dirty="0"/>
               <a:t> </a:t>
             </a:r>
             <a:r>
-              <a:rPr lang="en-US" sz="2800" dirty="0" err="1" smtClean="0"/>
+              <a:rPr lang="en-US" sz="2800" dirty="0" err="1"/>
               <a:t>cand</a:t>
             </a:r>
             <a:r>
-              <a:rPr lang="en-US" sz="2800" dirty="0" smtClean="0"/>
+              <a:rPr lang="en-US" sz="2800" dirty="0"/>
               <a:t> </a:t>
             </a:r>
             <a:r>
-              <a:rPr lang="en-US" sz="2800" dirty="0" err="1" smtClean="0"/>
+              <a:rPr lang="en-US" sz="2800" dirty="0" err="1"/>
               <a:t>sunt</a:t>
             </a:r>
             <a:r>
-              <a:rPr lang="en-US" sz="2800" dirty="0" smtClean="0"/>
+              <a:rPr lang="en-US" sz="2800" dirty="0"/>
               <a:t> in </a:t>
             </a:r>
             <a:r>
-              <a:rPr lang="en-US" sz="2800" dirty="0" err="1" smtClean="0"/>
+              <a:rPr lang="en-US" sz="2800" dirty="0" err="1"/>
               <a:t>afara</a:t>
             </a:r>
             <a:r>
-              <a:rPr lang="en-US" sz="2800" dirty="0" smtClean="0"/>
+              <a:rPr lang="en-US" sz="2800" dirty="0"/>
               <a:t> </a:t>
             </a:r>
             <a:r>
-              <a:rPr lang="en-US" sz="2800" dirty="0" err="1" smtClean="0"/>
+              <a:rPr lang="en-US" sz="2800" dirty="0" err="1"/>
               <a:t>ecranului</a:t>
             </a:r>
             <a:r>
-              <a:rPr lang="en-US" sz="2800" dirty="0" smtClean="0"/>
+              <a:rPr lang="en-US" sz="2800" dirty="0"/>
               <a:t>, </a:t>
             </a:r>
             <a:r>
-              <a:rPr lang="en-US" sz="2800" dirty="0" err="1" smtClean="0"/>
+              <a:rPr lang="en-US" sz="2800" dirty="0" err="1"/>
               <a:t>sunt</a:t>
             </a:r>
             <a:r>
-              <a:rPr lang="en-US" sz="2800" dirty="0" smtClean="0"/>
+              <a:rPr lang="en-US" sz="2800" dirty="0"/>
               <a:t> </a:t>
             </a:r>
             <a:r>
-              <a:rPr lang="en-US" sz="2800" dirty="0" err="1" smtClean="0"/>
+              <a:rPr lang="en-US" sz="2800" dirty="0" err="1"/>
               <a:t>sterse</a:t>
             </a:r>
             <a:r>
@@ -10248,13 +10351,6 @@
   <p:clrMapOvr>
     <a:masterClrMapping/>
   </p:clrMapOvr>
-  <p:timing>
-    <p:tnLst>
-      <p:par>
-        <p:cTn id="1" dur="indefinite" restart="never" nodeType="tmRoot"/>
-      </p:par>
-    </p:tnLst>
-  </p:timing>
 </p:sld>
 </file>
 
@@ -10293,21 +10389,20 @@
           <a:lstStyle/>
           <a:p>
             <a:r>
-              <a:rPr lang="en-US" sz="3600" dirty="0" err="1" smtClean="0"/>
+              <a:rPr lang="en-US" sz="3600" dirty="0" err="1"/>
               <a:t>Obstacole</a:t>
             </a:r>
             <a:r>
-              <a:rPr lang="en-US" sz="3600" dirty="0" smtClean="0"/>
+              <a:rPr lang="en-US" sz="3600" dirty="0"/>
               <a:t> – class Obstacle</a:t>
             </a:r>
             <a:br>
-              <a:rPr lang="en-US" sz="3600" dirty="0" smtClean="0"/>
+              <a:rPr lang="en-US" sz="3600" dirty="0"/>
             </a:br>
             <a:r>
-              <a:rPr lang="en-US" sz="3600" dirty="0" smtClean="0"/>
+              <a:rPr lang="en-US" sz="3600" dirty="0"/>
               <a:t>class rock/crystal/Bird</a:t>
             </a:r>
-            <a:endParaRPr lang="en-US" sz="3600" dirty="0"/>
           </a:p>
         </p:txBody>
       </p:sp>
@@ -10330,10 +10425,9 @@
               <a:buNone/>
             </a:pPr>
             <a:r>
-              <a:rPr lang="en-US" dirty="0" smtClean="0"/>
+              <a:rPr lang="en-US" dirty="0"/>
               <a:t> </a:t>
             </a:r>
-            <a:endParaRPr lang="en-US" dirty="0"/>
           </a:p>
         </p:txBody>
       </p:sp>
@@ -10682,13 +10776,6 @@
   <p:clrMapOvr>
     <a:masterClrMapping/>
   </p:clrMapOvr>
-  <p:timing>
-    <p:tnLst>
-      <p:par>
-        <p:cTn id="1" dur="indefinite" restart="never" nodeType="tmRoot"/>
-      </p:par>
-    </p:tnLst>
-  </p:timing>
 </p:sld>
 </file>
 
@@ -10725,14 +10812,13 @@
           <a:lstStyle/>
           <a:p>
             <a:r>
-              <a:rPr lang="en-US" dirty="0" err="1" smtClean="0"/>
+              <a:rPr lang="en-US" dirty="0" err="1"/>
               <a:t>Jocul</a:t>
             </a:r>
             <a:r>
-              <a:rPr lang="en-US" dirty="0" smtClean="0"/>
+              <a:rPr lang="en-US" dirty="0"/>
               <a:t> in sine</a:t>
             </a:r>
-            <a:endParaRPr lang="en-US" dirty="0"/>
           </a:p>
         </p:txBody>
       </p:sp>
@@ -10758,58 +10844,58 @@
               <a:buChar char="-"/>
             </a:pPr>
             <a:r>
-              <a:rPr lang="en-US" dirty="0" err="1" smtClean="0"/>
+              <a:rPr lang="en-US" dirty="0" err="1"/>
               <a:t>Viteza</a:t>
             </a:r>
             <a:r>
-              <a:rPr lang="en-US" dirty="0" smtClean="0"/>
+              <a:rPr lang="en-US" dirty="0"/>
               <a:t> </a:t>
             </a:r>
             <a:r>
-              <a:rPr lang="en-US" dirty="0" err="1" smtClean="0"/>
+              <a:rPr lang="en-US" dirty="0" err="1"/>
               <a:t>jocului</a:t>
             </a:r>
             <a:r>
-              <a:rPr lang="en-US" dirty="0" smtClean="0"/>
+              <a:rPr lang="en-US" dirty="0"/>
               <a:t> </a:t>
             </a:r>
             <a:r>
-              <a:rPr lang="en-US" dirty="0" err="1" smtClean="0"/>
+              <a:rPr lang="en-US" dirty="0" err="1"/>
               <a:t>creste</a:t>
             </a:r>
             <a:r>
-              <a:rPr lang="en-US" dirty="0" smtClean="0"/>
+              <a:rPr lang="en-US" dirty="0"/>
               <a:t> cu cat </a:t>
             </a:r>
             <a:r>
-              <a:rPr lang="en-US" dirty="0" err="1" smtClean="0"/>
+              <a:rPr lang="en-US" dirty="0" err="1"/>
               <a:t>trece</a:t>
             </a:r>
             <a:r>
-              <a:rPr lang="en-US" dirty="0" smtClean="0"/>
+              <a:rPr lang="en-US" dirty="0"/>
               <a:t> </a:t>
             </a:r>
             <a:r>
-              <a:rPr lang="en-US" dirty="0" err="1" smtClean="0"/>
+              <a:rPr lang="en-US" dirty="0" err="1"/>
               <a:t>mai</a:t>
             </a:r>
             <a:r>
-              <a:rPr lang="en-US" dirty="0" smtClean="0"/>
+              <a:rPr lang="en-US" dirty="0"/>
               <a:t> </a:t>
             </a:r>
             <a:r>
-              <a:rPr lang="en-US" dirty="0" err="1" smtClean="0"/>
+              <a:rPr lang="en-US" dirty="0" err="1"/>
               <a:t>mult</a:t>
             </a:r>
             <a:r>
-              <a:rPr lang="en-US" dirty="0" smtClean="0"/>
+              <a:rPr lang="en-US" dirty="0"/>
               <a:t> </a:t>
             </a:r>
             <a:r>
-              <a:rPr lang="en-US" dirty="0" err="1" smtClean="0"/>
+              <a:rPr lang="en-US" dirty="0" err="1"/>
               <a:t>timp</a:t>
             </a:r>
-            <a:endParaRPr lang="en-US" dirty="0" smtClean="0"/>
+            <a:endParaRPr lang="en-US" dirty="0"/>
           </a:p>
           <a:p>
             <a:pPr>
@@ -10817,54 +10903,54 @@
               <a:buChar char="-"/>
             </a:pPr>
             <a:r>
-              <a:rPr lang="en-US" dirty="0" smtClean="0"/>
+              <a:rPr lang="en-US" dirty="0"/>
               <a:t>Se </a:t>
             </a:r>
             <a:r>
-              <a:rPr lang="en-US" dirty="0" err="1" smtClean="0"/>
+              <a:rPr lang="en-US" dirty="0" err="1"/>
               <a:t>actualizeaza</a:t>
             </a:r>
             <a:r>
-              <a:rPr lang="en-US" dirty="0" smtClean="0"/>
+              <a:rPr lang="en-US" dirty="0"/>
               <a:t> </a:t>
             </a:r>
             <a:r>
-              <a:rPr lang="en-US" dirty="0" err="1" smtClean="0"/>
+              <a:rPr lang="en-US" dirty="0" err="1"/>
               <a:t>starea</a:t>
             </a:r>
             <a:r>
-              <a:rPr lang="en-US" dirty="0" smtClean="0"/>
+              <a:rPr lang="en-US" dirty="0"/>
               <a:t> player-</a:t>
             </a:r>
             <a:r>
-              <a:rPr lang="en-US" dirty="0" err="1" smtClean="0"/>
+              <a:rPr lang="en-US" dirty="0" err="1"/>
               <a:t>ului</a:t>
             </a:r>
             <a:r>
-              <a:rPr lang="en-US" dirty="0" smtClean="0"/>
+              <a:rPr lang="en-US" dirty="0"/>
               <a:t> in </a:t>
             </a:r>
             <a:r>
-              <a:rPr lang="en-US" dirty="0" err="1" smtClean="0"/>
+              <a:rPr lang="en-US" dirty="0" err="1"/>
               <a:t>functie</a:t>
             </a:r>
             <a:r>
-              <a:rPr lang="en-US" dirty="0" smtClean="0"/>
+              <a:rPr lang="en-US" dirty="0"/>
               <a:t> de input-</a:t>
             </a:r>
             <a:r>
-              <a:rPr lang="en-US" dirty="0" err="1" smtClean="0"/>
+              <a:rPr lang="en-US" dirty="0" err="1"/>
               <a:t>ul</a:t>
             </a:r>
             <a:r>
-              <a:rPr lang="en-US" dirty="0" smtClean="0"/>
+              <a:rPr lang="en-US" dirty="0"/>
               <a:t> de la </a:t>
             </a:r>
             <a:r>
-              <a:rPr lang="en-US" dirty="0" err="1" smtClean="0"/>
+              <a:rPr lang="en-US" dirty="0" err="1"/>
               <a:t>tastatura</a:t>
             </a:r>
-            <a:endParaRPr lang="en-US" dirty="0" smtClean="0"/>
+            <a:endParaRPr lang="en-US" dirty="0"/>
           </a:p>
           <a:p>
             <a:pPr>
@@ -10872,66 +10958,66 @@
               <a:buChar char="-"/>
             </a:pPr>
             <a:r>
-              <a:rPr lang="en-US" dirty="0" err="1" smtClean="0"/>
+              <a:rPr lang="en-US" dirty="0" err="1"/>
               <a:t>Daca</a:t>
             </a:r>
             <a:r>
-              <a:rPr lang="en-US" dirty="0" smtClean="0"/>
+              <a:rPr lang="en-US" dirty="0"/>
               <a:t> nu </a:t>
             </a:r>
             <a:r>
-              <a:rPr lang="en-US" dirty="0" err="1" smtClean="0"/>
+              <a:rPr lang="en-US" dirty="0" err="1"/>
               <a:t>exista</a:t>
             </a:r>
             <a:r>
-              <a:rPr lang="en-US" dirty="0" smtClean="0"/>
+              <a:rPr lang="en-US" dirty="0"/>
               <a:t> </a:t>
             </a:r>
             <a:r>
-              <a:rPr lang="en-US" dirty="0" err="1" smtClean="0"/>
+              <a:rPr lang="en-US" dirty="0" err="1"/>
               <a:t>niciun</a:t>
             </a:r>
             <a:r>
-              <a:rPr lang="en-US" dirty="0" smtClean="0"/>
+              <a:rPr lang="en-US" dirty="0"/>
               <a:t> </a:t>
             </a:r>
             <a:r>
-              <a:rPr lang="en-US" dirty="0" err="1" smtClean="0"/>
+              <a:rPr lang="en-US" dirty="0" err="1"/>
               <a:t>obstacol</a:t>
             </a:r>
             <a:r>
-              <a:rPr lang="en-US" dirty="0" smtClean="0"/>
+              <a:rPr lang="en-US" dirty="0"/>
               <a:t>, </a:t>
             </a:r>
             <a:r>
-              <a:rPr lang="en-US" dirty="0" err="1" smtClean="0"/>
+              <a:rPr lang="en-US" dirty="0" err="1"/>
               <a:t>este</a:t>
             </a:r>
             <a:r>
-              <a:rPr lang="en-US" dirty="0" smtClean="0"/>
+              <a:rPr lang="en-US" dirty="0"/>
               <a:t> </a:t>
             </a:r>
             <a:r>
-              <a:rPr lang="en-US" dirty="0" err="1" smtClean="0"/>
+              <a:rPr lang="en-US" dirty="0" err="1"/>
               <a:t>generat</a:t>
             </a:r>
             <a:r>
-              <a:rPr lang="en-US" dirty="0" smtClean="0"/>
+              <a:rPr lang="en-US" dirty="0"/>
               <a:t> </a:t>
             </a:r>
             <a:r>
-              <a:rPr lang="en-US" dirty="0" err="1" smtClean="0"/>
+              <a:rPr lang="en-US" dirty="0" err="1"/>
               <a:t>aleatoriu</a:t>
             </a:r>
             <a:r>
-              <a:rPr lang="en-US" dirty="0" smtClean="0"/>
+              <a:rPr lang="en-US" dirty="0"/>
               <a:t> </a:t>
             </a:r>
             <a:r>
-              <a:rPr lang="en-US" dirty="0" err="1" smtClean="0"/>
+              <a:rPr lang="en-US" dirty="0" err="1"/>
               <a:t>unul</a:t>
             </a:r>
-            <a:endParaRPr lang="en-US" dirty="0" smtClean="0"/>
+            <a:endParaRPr lang="en-US" dirty="0"/>
           </a:p>
           <a:p>
             <a:pPr>
@@ -10939,83 +11025,83 @@
               <a:buChar char="-"/>
             </a:pPr>
             <a:r>
-              <a:rPr lang="en-US" dirty="0" err="1" smtClean="0"/>
+              <a:rPr lang="en-US" dirty="0" err="1"/>
               <a:t>Daca</a:t>
             </a:r>
             <a:r>
-              <a:rPr lang="en-US" dirty="0" smtClean="0"/>
+              <a:rPr lang="en-US" dirty="0"/>
               <a:t> collide box-</a:t>
             </a:r>
             <a:r>
-              <a:rPr lang="en-US" dirty="0" err="1" smtClean="0"/>
+              <a:rPr lang="en-US" dirty="0" err="1"/>
               <a:t>urile</a:t>
             </a:r>
             <a:r>
-              <a:rPr lang="en-US" dirty="0" smtClean="0"/>
+              <a:rPr lang="en-US" dirty="0"/>
               <a:t> </a:t>
             </a:r>
             <a:r>
-              <a:rPr lang="en-US" dirty="0" err="1" smtClean="0"/>
+              <a:rPr lang="en-US" dirty="0" err="1"/>
               <a:t>unui</a:t>
             </a:r>
             <a:r>
-              <a:rPr lang="en-US" dirty="0" smtClean="0"/>
+              <a:rPr lang="en-US" dirty="0"/>
               <a:t> </a:t>
             </a:r>
             <a:r>
-              <a:rPr lang="en-US" dirty="0" err="1" smtClean="0"/>
+              <a:rPr lang="en-US" dirty="0" err="1"/>
               <a:t>obstacol</a:t>
             </a:r>
             <a:r>
-              <a:rPr lang="en-US" dirty="0" smtClean="0"/>
+              <a:rPr lang="en-US" dirty="0"/>
               <a:t> </a:t>
             </a:r>
             <a:r>
-              <a:rPr lang="en-US" dirty="0" err="1" smtClean="0"/>
+              <a:rPr lang="en-US" dirty="0" err="1"/>
               <a:t>si</a:t>
             </a:r>
             <a:r>
-              <a:rPr lang="en-US" dirty="0" smtClean="0"/>
+              <a:rPr lang="en-US" dirty="0"/>
               <a:t> ale player-</a:t>
             </a:r>
             <a:r>
-              <a:rPr lang="en-US" dirty="0" err="1" smtClean="0"/>
+              <a:rPr lang="en-US" dirty="0" err="1"/>
               <a:t>ului</a:t>
             </a:r>
             <a:r>
-              <a:rPr lang="en-US" dirty="0" smtClean="0"/>
+              <a:rPr lang="en-US" dirty="0"/>
               <a:t> se </a:t>
             </a:r>
             <a:r>
-              <a:rPr lang="en-US" dirty="0" err="1" smtClean="0"/>
+              <a:rPr lang="en-US" dirty="0" err="1"/>
               <a:t>intalnesc</a:t>
             </a:r>
             <a:r>
-              <a:rPr lang="en-US" dirty="0" smtClean="0"/>
+              <a:rPr lang="en-US" dirty="0"/>
               <a:t>, </a:t>
             </a:r>
             <a:r>
-              <a:rPr lang="en-US" dirty="0" err="1" smtClean="0"/>
+              <a:rPr lang="en-US" dirty="0" err="1"/>
               <a:t>atunci</a:t>
             </a:r>
             <a:r>
-              <a:rPr lang="en-US" dirty="0" smtClean="0"/>
+              <a:rPr lang="en-US" dirty="0"/>
               <a:t> </a:t>
             </a:r>
             <a:r>
-              <a:rPr lang="en-US" dirty="0" err="1" smtClean="0"/>
+              <a:rPr lang="en-US" dirty="0" err="1"/>
               <a:t>jocul</a:t>
             </a:r>
             <a:r>
-              <a:rPr lang="en-US" dirty="0" smtClean="0"/>
+              <a:rPr lang="en-US" dirty="0"/>
               <a:t> s-a </a:t>
             </a:r>
             <a:r>
-              <a:rPr lang="en-US" dirty="0" err="1" smtClean="0"/>
+              <a:rPr lang="en-US" dirty="0" err="1"/>
               <a:t>incheiat</a:t>
             </a:r>
             <a:r>
-              <a:rPr lang="en-US" dirty="0" smtClean="0"/>
+              <a:rPr lang="en-US" dirty="0"/>
               <a:t>.</a:t>
             </a:r>
           </a:p>
@@ -11025,27 +11111,27 @@
               <a:buChar char="-"/>
             </a:pPr>
             <a:r>
-              <a:rPr lang="en-US" dirty="0" smtClean="0"/>
+              <a:rPr lang="en-US" dirty="0"/>
               <a:t>Se </a:t>
             </a:r>
             <a:r>
-              <a:rPr lang="en-US" dirty="0" err="1" smtClean="0"/>
+              <a:rPr lang="en-US" dirty="0" err="1"/>
               <a:t>calculeaza</a:t>
             </a:r>
             <a:r>
-              <a:rPr lang="en-US" dirty="0" smtClean="0"/>
+              <a:rPr lang="en-US" dirty="0"/>
               <a:t> constant </a:t>
             </a:r>
             <a:r>
-              <a:rPr lang="en-US" dirty="0" err="1" smtClean="0"/>
+              <a:rPr lang="en-US" dirty="0" err="1"/>
               <a:t>scorul</a:t>
             </a:r>
             <a:r>
-              <a:rPr lang="en-US" dirty="0" smtClean="0"/>
+              <a:rPr lang="en-US" dirty="0"/>
               <a:t> </a:t>
             </a:r>
             <a:r>
-              <a:rPr lang="en-US" dirty="0" err="1" smtClean="0"/>
+              <a:rPr lang="en-US" dirty="0" err="1"/>
               <a:t>curent</a:t>
             </a:r>
             <a:endParaRPr lang="en-US" dirty="0"/>
@@ -11187,13 +11273,6 @@
   <p:clrMapOvr>
     <a:masterClrMapping/>
   </p:clrMapOvr>
-  <p:timing>
-    <p:tnLst>
-      <p:par>
-        <p:cTn id="1" dur="indefinite" restart="never" nodeType="tmRoot"/>
-      </p:par>
-    </p:tnLst>
-  </p:timing>
 </p:sld>
 </file>
 
@@ -11230,14 +11309,13 @@
           <a:lstStyle/>
           <a:p>
             <a:r>
-              <a:rPr lang="en-US" dirty="0" err="1" smtClean="0"/>
+              <a:rPr lang="en-US" dirty="0" err="1"/>
               <a:t>Jocul</a:t>
             </a:r>
             <a:r>
-              <a:rPr lang="en-US" dirty="0" smtClean="0"/>
+              <a:rPr lang="en-US" dirty="0"/>
               <a:t> in sine – main() </a:t>
             </a:r>
-            <a:endParaRPr lang="en-US" dirty="0"/>
           </a:p>
         </p:txBody>
       </p:sp>
@@ -11260,10 +11338,9 @@
               <a:buNone/>
             </a:pPr>
             <a:r>
-              <a:rPr lang="en-US" dirty="0" smtClean="0"/>
+              <a:rPr lang="en-US" dirty="0"/>
               <a:t> </a:t>
             </a:r>
-            <a:endParaRPr lang="en-US" dirty="0"/>
           </a:p>
         </p:txBody>
       </p:sp>
@@ -11338,13 +11415,6 @@
   <p:clrMapOvr>
     <a:masterClrMapping/>
   </p:clrMapOvr>
-  <p:timing>
-    <p:tnLst>
-      <p:par>
-        <p:cTn id="1" dur="indefinite" restart="never" nodeType="tmRoot"/>
-      </p:par>
-    </p:tnLst>
-  </p:timing>
 </p:sld>
 </file>
 
